--- a/Use-Case-1-Presentation.pptx
+++ b/Use-Case-1-Presentation.pptx
@@ -7,8 +7,10 @@
   <p:sldIdLst>
     <p:sldId id="256" r:id="rId2"/>
     <p:sldId id="257" r:id="rId3"/>
-    <p:sldId id="258" r:id="rId4"/>
-    <p:sldId id="259" r:id="rId5"/>
+    <p:sldId id="262" r:id="rId4"/>
+    <p:sldId id="258" r:id="rId5"/>
+    <p:sldId id="259" r:id="rId6"/>
+    <p:sldId id="260" r:id="rId7"/>
   </p:sldIdLst>
   <p:sldSz cx="12192000" cy="6858000"/>
   <p:notesSz cx="6858000" cy="9144000"/>
@@ -118,115 +120,17 @@
 <file path=ppt/revisionInfo.xml><?xml version="1.0" encoding="utf-8"?>
 <p1510:revInfo xmlns:a="http://schemas.openxmlformats.org/drawingml/2006/main" xmlns:r="http://schemas.openxmlformats.org/officeDocument/2006/relationships" xmlns:p1510="http://schemas.microsoft.com/office/powerpoint/2015/10/main">
   <p1510:revLst>
+    <p1510:client id="{5A47BB57-706B-4DC5-B3D1-4E27EAC55390}" v="101" dt="2024-04-04T19:50:51.805"/>
+    <p1510:client id="{610C5C3A-0FFA-4636-9D4A-D3CD44E3F4A4}" v="43" dt="2024-04-04T18:42:40.278"/>
+    <p1510:client id="{7F58E4C2-5BD4-4FB8-90EE-6B133E4A4F55}" v="49" dt="2024-04-04T21:35:57.951"/>
+    <p1510:client id="{8F329341-252D-4775-805E-91BB215E710B}" v="7" dt="2024-04-04T18:02:56.861"/>
+    <p1510:client id="{9459B0A8-19CF-4650-A4DC-F3762728CE56}" v="7" dt="2024-04-04T17:20:56.916"/>
+    <p1510:client id="{A4172E81-E23C-9547-8477-4477A328A096}" v="1533" dt="2024-04-04T21:02:51.395"/>
+    <p1510:client id="{B34818B5-9B7D-4512-B0C3-DA4E9E8896F2}" v="16" dt="2024-04-04T21:35:17.891"/>
+    <p1510:client id="{CEB27B2E-9238-4536-8553-9DD7F6B16685}" v="59" dt="2024-04-04T19:46:10.159"/>
     <p1510:client id="{F4C661BC-0CB6-479A-AF33-A6F310C138CB}" v="549" dt="2024-04-04T17:12:26.926"/>
   </p1510:revLst>
 </p1510:revInfo>
-</file>
-
-<file path=ppt/changesInfos/changesInfo1.xml><?xml version="1.0" encoding="utf-8"?>
-<pc:chgInfo xmlns:a="http://schemas.openxmlformats.org/drawingml/2006/main" xmlns:r="http://schemas.openxmlformats.org/officeDocument/2006/relationships" xmlns:ac="http://schemas.microsoft.com/office/drawing/2013/main/command" xmlns:pc="http://schemas.microsoft.com/office/powerpoint/2013/main/command">
-  <pc:docChgLst>
-    <pc:chgData name="Rishi Bhatnagar" userId="3479b6f99ae668a9" providerId="Windows Live" clId="Web-{F4C661BC-0CB6-479A-AF33-A6F310C138CB}"/>
-    <pc:docChg chg="addSld modSld">
-      <pc:chgData name="Rishi Bhatnagar" userId="3479b6f99ae668a9" providerId="Windows Live" clId="Web-{F4C661BC-0CB6-479A-AF33-A6F310C138CB}" dt="2024-04-04T17:12:25.238" v="536" actId="20577"/>
-      <pc:docMkLst>
-        <pc:docMk/>
-      </pc:docMkLst>
-      <pc:sldChg chg="modSp">
-        <pc:chgData name="Rishi Bhatnagar" userId="3479b6f99ae668a9" providerId="Windows Live" clId="Web-{F4C661BC-0CB6-479A-AF33-A6F310C138CB}" dt="2024-04-04T14:17:45.676" v="74" actId="20577"/>
-        <pc:sldMkLst>
-          <pc:docMk/>
-          <pc:sldMk cId="109857222" sldId="256"/>
-        </pc:sldMkLst>
-        <pc:spChg chg="mod">
-          <ac:chgData name="Rishi Bhatnagar" userId="3479b6f99ae668a9" providerId="Windows Live" clId="Web-{F4C661BC-0CB6-479A-AF33-A6F310C138CB}" dt="2024-04-04T14:12:39.133" v="13" actId="20577"/>
-          <ac:spMkLst>
-            <pc:docMk/>
-            <pc:sldMk cId="109857222" sldId="256"/>
-            <ac:spMk id="2" creationId="{00000000-0000-0000-0000-000000000000}"/>
-          </ac:spMkLst>
-        </pc:spChg>
-        <pc:spChg chg="mod">
-          <ac:chgData name="Rishi Bhatnagar" userId="3479b6f99ae668a9" providerId="Windows Live" clId="Web-{F4C661BC-0CB6-479A-AF33-A6F310C138CB}" dt="2024-04-04T14:17:45.676" v="74" actId="20577"/>
-          <ac:spMkLst>
-            <pc:docMk/>
-            <pc:sldMk cId="109857222" sldId="256"/>
-            <ac:spMk id="3" creationId="{00000000-0000-0000-0000-000000000000}"/>
-          </ac:spMkLst>
-        </pc:spChg>
-      </pc:sldChg>
-      <pc:sldChg chg="modSp new">
-        <pc:chgData name="Rishi Bhatnagar" userId="3479b6f99ae668a9" providerId="Windows Live" clId="Web-{F4C661BC-0CB6-479A-AF33-A6F310C138CB}" dt="2024-04-04T14:28:00.932" v="227" actId="20577"/>
-        <pc:sldMkLst>
-          <pc:docMk/>
-          <pc:sldMk cId="1621278825" sldId="257"/>
-        </pc:sldMkLst>
-        <pc:spChg chg="mod">
-          <ac:chgData name="Rishi Bhatnagar" userId="3479b6f99ae668a9" providerId="Windows Live" clId="Web-{F4C661BC-0CB6-479A-AF33-A6F310C138CB}" dt="2024-04-04T14:17:55.957" v="79" actId="20577"/>
-          <ac:spMkLst>
-            <pc:docMk/>
-            <pc:sldMk cId="1621278825" sldId="257"/>
-            <ac:spMk id="2" creationId="{63D86274-E049-A179-D37D-6A4FAAF53928}"/>
-          </ac:spMkLst>
-        </pc:spChg>
-        <pc:spChg chg="mod">
-          <ac:chgData name="Rishi Bhatnagar" userId="3479b6f99ae668a9" providerId="Windows Live" clId="Web-{F4C661BC-0CB6-479A-AF33-A6F310C138CB}" dt="2024-04-04T14:28:00.932" v="227" actId="20577"/>
-          <ac:spMkLst>
-            <pc:docMk/>
-            <pc:sldMk cId="1621278825" sldId="257"/>
-            <ac:spMk id="3" creationId="{DDE802D2-70AC-6AFF-F5F4-B188FD508683}"/>
-          </ac:spMkLst>
-        </pc:spChg>
-      </pc:sldChg>
-      <pc:sldChg chg="modSp new">
-        <pc:chgData name="Rishi Bhatnagar" userId="3479b6f99ae668a9" providerId="Windows Live" clId="Web-{F4C661BC-0CB6-479A-AF33-A6F310C138CB}" dt="2024-04-04T17:12:25.238" v="536" actId="20577"/>
-        <pc:sldMkLst>
-          <pc:docMk/>
-          <pc:sldMk cId="1030149979" sldId="258"/>
-        </pc:sldMkLst>
-        <pc:spChg chg="mod">
-          <ac:chgData name="Rishi Bhatnagar" userId="3479b6f99ae668a9" providerId="Windows Live" clId="Web-{F4C661BC-0CB6-479A-AF33-A6F310C138CB}" dt="2024-04-04T14:19:25.726" v="95" actId="20577"/>
-          <ac:spMkLst>
-            <pc:docMk/>
-            <pc:sldMk cId="1030149979" sldId="258"/>
-            <ac:spMk id="2" creationId="{2BEFE1B0-9B5B-65B6-FC6D-24DB2B84D511}"/>
-          </ac:spMkLst>
-        </pc:spChg>
-        <pc:spChg chg="mod">
-          <ac:chgData name="Rishi Bhatnagar" userId="3479b6f99ae668a9" providerId="Windows Live" clId="Web-{F4C661BC-0CB6-479A-AF33-A6F310C138CB}" dt="2024-04-04T17:12:25.238" v="536" actId="20577"/>
-          <ac:spMkLst>
-            <pc:docMk/>
-            <pc:sldMk cId="1030149979" sldId="258"/>
-            <ac:spMk id="3" creationId="{BE2EBE84-BBAD-D2CD-E20E-07E4357FEDC9}"/>
-          </ac:spMkLst>
-        </pc:spChg>
-      </pc:sldChg>
-      <pc:sldChg chg="modSp add replId">
-        <pc:chgData name="Rishi Bhatnagar" userId="3479b6f99ae668a9" providerId="Windows Live" clId="Web-{F4C661BC-0CB6-479A-AF33-A6F310C138CB}" dt="2024-04-04T15:55:02.238" v="466" actId="20577"/>
-        <pc:sldMkLst>
-          <pc:docMk/>
-          <pc:sldMk cId="4046417539" sldId="259"/>
-        </pc:sldMkLst>
-        <pc:spChg chg="mod">
-          <ac:chgData name="Rishi Bhatnagar" userId="3479b6f99ae668a9" providerId="Windows Live" clId="Web-{F4C661BC-0CB6-479A-AF33-A6F310C138CB}" dt="2024-04-04T14:28:25.496" v="231" actId="20577"/>
-          <ac:spMkLst>
-            <pc:docMk/>
-            <pc:sldMk cId="4046417539" sldId="259"/>
-            <ac:spMk id="2" creationId="{2BEFE1B0-9B5B-65B6-FC6D-24DB2B84D511}"/>
-          </ac:spMkLst>
-        </pc:spChg>
-        <pc:spChg chg="mod">
-          <ac:chgData name="Rishi Bhatnagar" userId="3479b6f99ae668a9" providerId="Windows Live" clId="Web-{F4C661BC-0CB6-479A-AF33-A6F310C138CB}" dt="2024-04-04T15:55:02.238" v="466" actId="20577"/>
-          <ac:spMkLst>
-            <pc:docMk/>
-            <pc:sldMk cId="4046417539" sldId="259"/>
-            <ac:spMk id="3" creationId="{BE2EBE84-BBAD-D2CD-E20E-07E4357FEDC9}"/>
-          </ac:spMkLst>
-        </pc:spChg>
-      </pc:sldChg>
-    </pc:docChg>
-  </pc:docChgLst>
-</pc:chgInfo>
 </file>
 
 <file path=ppt/slideLayouts/slideLayout1.xml><?xml version="1.0" encoding="utf-8"?>
@@ -274,7 +178,6 @@
               <a:rPr lang="en-US"/>
               <a:t>Click to edit Master title style</a:t>
             </a:r>
-            <a:endParaRPr lang="en-US" dirty="0"/>
           </a:p>
         </p:txBody>
       </p:sp>
@@ -339,7 +242,6 @@
               <a:rPr lang="en-US"/>
               <a:t>Click to edit Master subtitle style</a:t>
             </a:r>
-            <a:endParaRPr lang="en-US" dirty="0"/>
           </a:p>
         </p:txBody>
       </p:sp>
@@ -457,7 +359,6 @@
               <a:rPr lang="en-US"/>
               <a:t>Click to edit Master title style</a:t>
             </a:r>
-            <a:endParaRPr lang="en-US" dirty="0"/>
           </a:p>
         </p:txBody>
       </p:sp>
@@ -509,7 +410,6 @@
               <a:rPr lang="en-US"/>
               <a:t>Fifth level</a:t>
             </a:r>
-            <a:endParaRPr lang="en-US" dirty="0"/>
           </a:p>
         </p:txBody>
       </p:sp>
@@ -632,7 +532,6 @@
               <a:rPr lang="en-US"/>
               <a:t>Click to edit Master title style</a:t>
             </a:r>
-            <a:endParaRPr lang="en-US" dirty="0"/>
           </a:p>
         </p:txBody>
       </p:sp>
@@ -689,7 +588,6 @@
               <a:rPr lang="en-US"/>
               <a:t>Fifth level</a:t>
             </a:r>
-            <a:endParaRPr lang="en-US" dirty="0"/>
           </a:p>
         </p:txBody>
       </p:sp>
@@ -807,7 +705,6 @@
               <a:rPr lang="en-US"/>
               <a:t>Click to edit Master title style</a:t>
             </a:r>
-            <a:endParaRPr lang="en-US" dirty="0"/>
           </a:p>
         </p:txBody>
       </p:sp>
@@ -859,7 +756,6 @@
               <a:rPr lang="en-US"/>
               <a:t>Fifth level</a:t>
             </a:r>
-            <a:endParaRPr lang="en-US" dirty="0"/>
           </a:p>
         </p:txBody>
       </p:sp>
@@ -986,7 +882,6 @@
               <a:rPr lang="en-US"/>
               <a:t>Click to edit Master title style</a:t>
             </a:r>
-            <a:endParaRPr lang="en-US" dirty="0"/>
           </a:p>
         </p:txBody>
       </p:sp>
@@ -1223,7 +1118,6 @@
               <a:rPr lang="en-US"/>
               <a:t>Click to edit Master title style</a:t>
             </a:r>
-            <a:endParaRPr lang="en-US" dirty="0"/>
           </a:p>
         </p:txBody>
       </p:sp>
@@ -1280,7 +1174,6 @@
               <a:rPr lang="en-US"/>
               <a:t>Fifth level</a:t>
             </a:r>
-            <a:endParaRPr lang="en-US" dirty="0"/>
           </a:p>
         </p:txBody>
       </p:sp>
@@ -1337,7 +1230,6 @@
               <a:rPr lang="en-US"/>
               <a:t>Fifth level</a:t>
             </a:r>
-            <a:endParaRPr lang="en-US" dirty="0"/>
           </a:p>
         </p:txBody>
       </p:sp>
@@ -1460,7 +1352,6 @@
               <a:rPr lang="en-US"/>
               <a:t>Click to edit Master title style</a:t>
             </a:r>
-            <a:endParaRPr lang="en-US" dirty="0"/>
           </a:p>
         </p:txBody>
       </p:sp>
@@ -1582,7 +1473,6 @@
               <a:rPr lang="en-US"/>
               <a:t>Fifth level</a:t>
             </a:r>
-            <a:endParaRPr lang="en-US" dirty="0"/>
           </a:p>
         </p:txBody>
       </p:sp>
@@ -1704,7 +1594,6 @@
               <a:rPr lang="en-US"/>
               <a:t>Fifth level</a:t>
             </a:r>
-            <a:endParaRPr lang="en-US" dirty="0"/>
           </a:p>
         </p:txBody>
       </p:sp>
@@ -1822,7 +1711,6 @@
               <a:rPr lang="en-US"/>
               <a:t>Click to edit Master title style</a:t>
             </a:r>
-            <a:endParaRPr lang="en-US" dirty="0"/>
           </a:p>
         </p:txBody>
       </p:sp>
@@ -2044,7 +1932,6 @@
               <a:rPr lang="en-US"/>
               <a:t>Click to edit Master title style</a:t>
             </a:r>
-            <a:endParaRPr lang="en-US" dirty="0"/>
           </a:p>
         </p:txBody>
       </p:sp>
@@ -2129,7 +2016,6 @@
               <a:rPr lang="en-US"/>
               <a:t>Fifth level</a:t>
             </a:r>
-            <a:endParaRPr lang="en-US" dirty="0"/>
           </a:p>
         </p:txBody>
       </p:sp>
@@ -2321,7 +2207,6 @@
               <a:rPr lang="en-US"/>
               <a:t>Click to edit Master title style</a:t>
             </a:r>
-            <a:endParaRPr lang="en-US" dirty="0"/>
           </a:p>
         </p:txBody>
       </p:sp>
@@ -2386,7 +2271,6 @@
               <a:rPr lang="en-US"/>
               <a:t>Click icon to add picture</a:t>
             </a:r>
-            <a:endParaRPr lang="en-US" dirty="0"/>
           </a:p>
         </p:txBody>
       </p:sp>
@@ -2584,7 +2468,6 @@
               <a:rPr lang="en-US"/>
               <a:t>Click to edit Master title style</a:t>
             </a:r>
-            <a:endParaRPr lang="en-US" dirty="0"/>
           </a:p>
         </p:txBody>
       </p:sp>
@@ -2646,7 +2529,6 @@
               <a:rPr lang="en-US"/>
               <a:t>Fifth level</a:t>
             </a:r>
-            <a:endParaRPr lang="en-US" dirty="0"/>
           </a:p>
         </p:txBody>
       </p:sp>
@@ -3100,14 +2982,26 @@
             <p:ph type="ctrTitle"/>
           </p:nvPr>
         </p:nvSpPr>
-        <p:spPr/>
+        <p:spPr>
+          <a:xfrm>
+            <a:off x="1345449" y="754439"/>
+            <a:ext cx="9144000" cy="2387600"/>
+          </a:xfrm>
+        </p:spPr>
         <p:txBody>
           <a:bodyPr/>
           <a:lstStyle/>
           <a:p>
             <a:r>
-              <a:rPr lang="en-US" dirty="0"/>
-              <a:t>Use Case 1: Therapy Session Copilot</a:t>
+              <a:rPr lang="en-US"/>
+              <a:t>Use Case 1: </a:t>
+            </a:r>
+            <a:br>
+              <a:rPr lang="en-US"/>
+            </a:br>
+            <a:r>
+              <a:rPr lang="en-US"/>
+              <a:t>Therapy Session Copilot</a:t>
             </a:r>
           </a:p>
         </p:txBody>
@@ -3122,35 +3016,103 @@
             <p:ph type="subTitle" idx="1"/>
           </p:nvPr>
         </p:nvSpPr>
-        <p:spPr/>
+        <p:spPr>
+          <a:xfrm>
+            <a:off x="1522901" y="3424970"/>
+            <a:ext cx="9144000" cy="1234657"/>
+          </a:xfrm>
+        </p:spPr>
         <p:txBody>
           <a:bodyPr vert="horz" lIns="91440" tIns="45720" rIns="91440" bIns="45720" rtlCol="0" anchor="t">
-            <a:normAutofit/>
+            <a:noAutofit/>
           </a:bodyPr>
           <a:lstStyle/>
           <a:p>
             <a:r>
-              <a:rPr lang="en-US" dirty="0"/>
-              <a:t>Team names: Adedapo Adeola, Ariana, Ashwini Kale, </a:t>
-            </a:r>
-            <a:r>
-              <a:rPr lang="en-US" dirty="0">
+              <a:rPr lang="en-US" sz="2800" dirty="0"/>
+              <a:t>Team names: Adedapo Adeola, Amy Backes, Ariana Caminos, Ashwini Kale, </a:t>
+            </a:r>
+            <a:r>
+              <a:rPr lang="en-US" sz="2800" dirty="0">
                 <a:ea typeface="+mn-lt"/>
                 <a:cs typeface="+mn-lt"/>
               </a:rPr>
-              <a:t>G, Manny Melendez, Mehak, Rick Kubina Jr, Rishi Bhatnagar, Rob Reese, </a:t>
-            </a:r>
-            <a:r>
-              <a:rPr lang="en-US" dirty="0" err="1"/>
+              <a:t>Felix Tamakloe, Guy </a:t>
+            </a:r>
+            <a:r>
+              <a:rPr lang="en-US" sz="2800" err="1">
+                <a:ea typeface="+mn-lt"/>
+                <a:cs typeface="+mn-lt"/>
+              </a:rPr>
+              <a:t>Caseneuve</a:t>
+            </a:r>
+            <a:r>
+              <a:rPr lang="en-US" sz="2800" dirty="0">
+                <a:ea typeface="+mn-lt"/>
+                <a:cs typeface="+mn-lt"/>
+              </a:rPr>
+              <a:t>, Manny Melendez, Mehak, Rick Kubina Jr, Rishi Bhatnagar, Rob Reese,</a:t>
+            </a:r>
+            <a:r>
+              <a:rPr lang="en-US" sz="2800" dirty="0"/>
+              <a:t> Felix </a:t>
+            </a:r>
+            <a:r>
+              <a:rPr lang="en-US" sz="2800" err="1"/>
               <a:t>Tamak</a:t>
             </a:r>
             <a:r>
-              <a:rPr lang="en-US" dirty="0"/>
+              <a:rPr lang="en-US" sz="2800" dirty="0"/>
               <a:t>, Yash Bhatnagar</a:t>
             </a:r>
           </a:p>
         </p:txBody>
       </p:sp>
+      <p:pic>
+        <p:nvPicPr>
+          <p:cNvPr id="1026" name="Picture 2">
+            <a:extLst>
+              <a:ext uri="{FF2B5EF4-FFF2-40B4-BE49-F238E27FC236}">
+                <a16:creationId xmlns:a16="http://schemas.microsoft.com/office/drawing/2014/main" id="{268BED9A-255A-23FE-6A9B-1F42BE7A670D}"/>
+              </a:ext>
+            </a:extLst>
+          </p:cNvPr>
+          <p:cNvPicPr>
+            <a:picLocks noChangeAspect="1" noChangeArrowheads="1"/>
+          </p:cNvPicPr>
+          <p:nvPr/>
+        </p:nvPicPr>
+        <p:blipFill rotWithShape="1">
+          <a:blip r:embed="rId2">
+            <a:extLst>
+              <a:ext uri="{28A0092B-C50C-407E-A947-70E740481C1C}">
+                <a14:useLocalDpi xmlns:a14="http://schemas.microsoft.com/office/drawing/2010/main" val="0"/>
+              </a:ext>
+            </a:extLst>
+          </a:blip>
+          <a:srcRect t="32472" b="30856"/>
+          <a:stretch/>
+        </p:blipFill>
+        <p:spPr bwMode="auto">
+          <a:xfrm>
+            <a:off x="3293246" y="5199896"/>
+            <a:ext cx="5985353" cy="1234658"/>
+          </a:xfrm>
+          <a:prstGeom prst="rect">
+            <a:avLst/>
+          </a:prstGeom>
+          <a:noFill/>
+          <a:extLst>
+            <a:ext uri="{909E8E84-426E-40DD-AFC4-6F175D3DCCD1}">
+              <a14:hiddenFill xmlns:a14="http://schemas.microsoft.com/office/drawing/2010/main">
+                <a:solidFill>
+                  <a:srgbClr val="FFFFFF"/>
+                </a:solidFill>
+              </a14:hiddenFill>
+            </a:ext>
+          </a:extLst>
+        </p:spPr>
+      </p:pic>
     </p:spTree>
     <p:extLst>
       <p:ext uri="{BB962C8B-B14F-4D97-AF65-F5344CB8AC3E}">
@@ -3167,6 +3129,14 @@
 <file path=ppt/slides/slide2.xml><?xml version="1.0" encoding="utf-8"?>
 <p:sld xmlns:a="http://schemas.openxmlformats.org/drawingml/2006/main" xmlns:r="http://schemas.openxmlformats.org/officeDocument/2006/relationships" xmlns:p="http://schemas.openxmlformats.org/presentationml/2006/main">
   <p:cSld>
+    <p:bg>
+      <p:bgPr>
+        <a:solidFill>
+          <a:schemeClr val="bg1"/>
+        </a:solidFill>
+        <a:effectLst/>
+      </p:bgPr>
+    </p:bg>
     <p:spTree>
       <p:nvGrpSpPr>
         <p:cNvPr id="1" name=""/>
@@ -3181,6 +3151,334 @@
           <a:chExt cx="0" cy="0"/>
         </a:xfrm>
       </p:grpSpPr>
+      <p:sp useBgFill="1">
+        <p:nvSpPr>
+          <p:cNvPr id="14" name="Rectangle 13">
+            <a:extLst>
+              <a:ext uri="{FF2B5EF4-FFF2-40B4-BE49-F238E27FC236}">
+                <a16:creationId xmlns:a16="http://schemas.microsoft.com/office/drawing/2014/main" id="{50D1C5B3-B60D-4696-AE60-100D5EC8AB5D}"/>
+              </a:ext>
+              <a:ext uri="{C183D7F6-B498-43B3-948B-1728B52AA6E4}">
+                <adec:decorative xmlns:adec="http://schemas.microsoft.com/office/drawing/2017/decorative" val="1"/>
+              </a:ext>
+            </a:extLst>
+          </p:cNvPr>
+          <p:cNvSpPr>
+            <a:spLocks noGrp="1" noRot="1" noChangeAspect="1" noMove="1" noResize="1" noEditPoints="1" noAdjustHandles="1" noChangeArrowheads="1" noChangeShapeType="1" noTextEdit="1"/>
+          </p:cNvSpPr>
+          <p:nvPr>
+            <p:extLst>
+              <p:ext uri="{386F3935-93C4-4BCD-93E2-E3B085C9AB24}">
+                <p16:designElem xmlns:p16="http://schemas.microsoft.com/office/powerpoint/2015/main" val="1"/>
+              </p:ext>
+            </p:extLst>
+          </p:nvPr>
+        </p:nvSpPr>
+        <p:spPr>
+          <a:xfrm>
+            <a:off x="0" y="0"/>
+            <a:ext cx="12192000" cy="6858000"/>
+          </a:xfrm>
+          <a:prstGeom prst="rect">
+            <a:avLst/>
+          </a:prstGeom>
+          <a:ln w="12700" cap="flat" cmpd="sng" algn="ctr">
+            <a:noFill/>
+            <a:prstDash val="solid"/>
+            <a:miter lim="800000"/>
+          </a:ln>
+          <a:effectLst/>
+          <a:extLst>
+            <a:ext uri="{91240B29-F687-4F45-9708-019B960494DF}">
+              <a14:hiddenLine xmlns:a14="http://schemas.microsoft.com/office/drawing/2010/main" w="12700" cap="flat" cmpd="sng" algn="ctr">
+                <a:solidFill>
+                  <a:schemeClr val="accent1">
+                    <a:shade val="50000"/>
+                  </a:schemeClr>
+                </a:solidFill>
+                <a:prstDash val="solid"/>
+                <a:miter lim="800000"/>
+              </a14:hiddenLine>
+            </a:ext>
+          </a:extLst>
+        </p:spPr>
+        <p:style>
+          <a:lnRef idx="2">
+            <a:schemeClr val="accent1">
+              <a:shade val="50000"/>
+            </a:schemeClr>
+          </a:lnRef>
+          <a:fillRef idx="1">
+            <a:schemeClr val="accent1"/>
+          </a:fillRef>
+          <a:effectRef idx="0">
+            <a:schemeClr val="accent1"/>
+          </a:effectRef>
+          <a:fontRef idx="minor">
+            <a:schemeClr val="lt1"/>
+          </a:fontRef>
+        </p:style>
+        <p:txBody>
+          <a:bodyPr rtlCol="0" anchor="ctr"/>
+          <a:lstStyle/>
+          <a:p>
+            <a:pPr algn="ctr"/>
+            <a:endParaRPr lang="en-US"/>
+          </a:p>
+        </p:txBody>
+      </p:sp>
+      <p:grpSp>
+        <p:nvGrpSpPr>
+          <p:cNvPr id="16" name="Group 15">
+            <a:extLst>
+              <a:ext uri="{FF2B5EF4-FFF2-40B4-BE49-F238E27FC236}">
+                <a16:creationId xmlns:a16="http://schemas.microsoft.com/office/drawing/2014/main" id="{73EDDF53-0851-48D4-A466-6FE0DCE91E73}"/>
+              </a:ext>
+              <a:ext uri="{C183D7F6-B498-43B3-948B-1728B52AA6E4}">
+                <adec:decorative xmlns:adec="http://schemas.microsoft.com/office/drawing/2017/decorative" val="1"/>
+              </a:ext>
+            </a:extLst>
+          </p:cNvPr>
+          <p:cNvGrpSpPr>
+            <a:grpSpLocks noGrp="1" noUngrp="1" noRot="1" noChangeAspect="1" noMove="1" noResize="1"/>
+          </p:cNvGrpSpPr>
+          <p:nvPr>
+            <p:extLst>
+              <p:ext uri="{386F3935-93C4-4BCD-93E2-E3B085C9AB24}">
+                <p16:designElem xmlns:p16="http://schemas.microsoft.com/office/powerpoint/2015/main" val="1"/>
+              </p:ext>
+            </p:extLst>
+          </p:nvPr>
+        </p:nvGrpSpPr>
+        <p:grpSpPr>
+          <a:xfrm>
+            <a:off x="0" y="0"/>
+            <a:ext cx="12192002" cy="1576446"/>
+            <a:chOff x="0" y="0"/>
+            <a:chExt cx="12192002" cy="1576446"/>
+          </a:xfrm>
+        </p:grpSpPr>
+        <p:sp>
+          <p:nvSpPr>
+            <p:cNvPr id="17" name="Rectangle 16">
+              <a:extLst>
+                <a:ext uri="{FF2B5EF4-FFF2-40B4-BE49-F238E27FC236}">
+                  <a16:creationId xmlns:a16="http://schemas.microsoft.com/office/drawing/2014/main" id="{D074D04C-85E8-4A3E-90D7-86A10AE04827}"/>
+                </a:ext>
+                <a:ext uri="{C183D7F6-B498-43B3-948B-1728B52AA6E4}">
+                  <adec:decorative xmlns:adec="http://schemas.microsoft.com/office/drawing/2017/decorative" val="1"/>
+                </a:ext>
+              </a:extLst>
+            </p:cNvPr>
+            <p:cNvSpPr/>
+            <p:nvPr>
+              <p:extLst>
+                <p:ext uri="{386F3935-93C4-4BCD-93E2-E3B085C9AB24}">
+                  <p16:designElem xmlns:p16="http://schemas.microsoft.com/office/powerpoint/2015/main" val="1"/>
+                </p:ext>
+              </p:extLst>
+            </p:nvPr>
+          </p:nvSpPr>
+          <p:spPr>
+            <a:xfrm rot="10800000" flipH="1">
+              <a:off x="2" y="0"/>
+              <a:ext cx="12191998" cy="1575955"/>
+            </a:xfrm>
+            <a:prstGeom prst="rect">
+              <a:avLst/>
+            </a:prstGeom>
+            <a:gradFill>
+              <a:gsLst>
+                <a:gs pos="0">
+                  <a:srgbClr val="000000">
+                    <a:alpha val="96000"/>
+                  </a:srgbClr>
+                </a:gs>
+                <a:gs pos="100000">
+                  <a:schemeClr val="accent1">
+                    <a:lumMod val="75000"/>
+                  </a:schemeClr>
+                </a:gs>
+              </a:gsLst>
+              <a:lin ang="8400000" scaled="0"/>
+            </a:gradFill>
+            <a:ln>
+              <a:noFill/>
+            </a:ln>
+          </p:spPr>
+          <p:style>
+            <a:lnRef idx="2">
+              <a:schemeClr val="accent1">
+                <a:shade val="50000"/>
+              </a:schemeClr>
+            </a:lnRef>
+            <a:fillRef idx="1">
+              <a:schemeClr val="accent1"/>
+            </a:fillRef>
+            <a:effectRef idx="0">
+              <a:schemeClr val="accent1"/>
+            </a:effectRef>
+            <a:fontRef idx="minor">
+              <a:schemeClr val="lt1"/>
+            </a:fontRef>
+          </p:style>
+          <p:txBody>
+            <a:bodyPr rtlCol="0" anchor="ctr"/>
+            <a:lstStyle/>
+            <a:p>
+              <a:pPr algn="ctr"/>
+              <a:endParaRPr lang="en-US"/>
+            </a:p>
+          </p:txBody>
+        </p:sp>
+        <p:sp>
+          <p:nvSpPr>
+            <p:cNvPr id="18" name="Rectangle 17">
+              <a:extLst>
+                <a:ext uri="{FF2B5EF4-FFF2-40B4-BE49-F238E27FC236}">
+                  <a16:creationId xmlns:a16="http://schemas.microsoft.com/office/drawing/2014/main" id="{4097020A-86B6-43BD-A2AA-66AE72CA3110}"/>
+                </a:ext>
+                <a:ext uri="{C183D7F6-B498-43B3-948B-1728B52AA6E4}">
+                  <adec:decorative xmlns:adec="http://schemas.microsoft.com/office/drawing/2017/decorative" val="1"/>
+                </a:ext>
+              </a:extLst>
+            </p:cNvPr>
+            <p:cNvSpPr/>
+            <p:nvPr>
+              <p:extLst>
+                <p:ext uri="{386F3935-93C4-4BCD-93E2-E3B085C9AB24}">
+                  <p16:designElem xmlns:p16="http://schemas.microsoft.com/office/powerpoint/2015/main" val="1"/>
+                </p:ext>
+              </p:extLst>
+            </p:nvPr>
+          </p:nvSpPr>
+          <p:spPr>
+            <a:xfrm rot="16200000">
+              <a:off x="5307778" y="-5307778"/>
+              <a:ext cx="1576446" cy="12192002"/>
+            </a:xfrm>
+            <a:prstGeom prst="rect">
+              <a:avLst/>
+            </a:prstGeom>
+            <a:gradFill>
+              <a:gsLst>
+                <a:gs pos="45000">
+                  <a:schemeClr val="accent1">
+                    <a:alpha val="0"/>
+                  </a:schemeClr>
+                </a:gs>
+                <a:gs pos="99000">
+                  <a:srgbClr val="000000">
+                    <a:alpha val="74000"/>
+                  </a:srgbClr>
+                </a:gs>
+              </a:gsLst>
+              <a:lin ang="11400000" scaled="0"/>
+            </a:gradFill>
+            <a:ln>
+              <a:noFill/>
+            </a:ln>
+          </p:spPr>
+          <p:style>
+            <a:lnRef idx="2">
+              <a:schemeClr val="accent1">
+                <a:shade val="50000"/>
+              </a:schemeClr>
+            </a:lnRef>
+            <a:fillRef idx="1">
+              <a:schemeClr val="accent1"/>
+            </a:fillRef>
+            <a:effectRef idx="0">
+              <a:schemeClr val="accent1"/>
+            </a:effectRef>
+            <a:fontRef idx="minor">
+              <a:schemeClr val="lt1"/>
+            </a:fontRef>
+          </p:style>
+          <p:txBody>
+            <a:bodyPr rtlCol="0" anchor="ctr"/>
+            <a:lstStyle/>
+            <a:p>
+              <a:pPr algn="ctr"/>
+              <a:endParaRPr lang="en-US"/>
+            </a:p>
+          </p:txBody>
+        </p:sp>
+        <p:sp>
+          <p:nvSpPr>
+            <p:cNvPr id="19" name="Rectangle 18">
+              <a:extLst>
+                <a:ext uri="{FF2B5EF4-FFF2-40B4-BE49-F238E27FC236}">
+                  <a16:creationId xmlns:a16="http://schemas.microsoft.com/office/drawing/2014/main" id="{20C6C743-32FE-4E24-AA22-45D3B1C7C0A1}"/>
+                </a:ext>
+                <a:ext uri="{C183D7F6-B498-43B3-948B-1728B52AA6E4}">
+                  <adec:decorative xmlns:adec="http://schemas.microsoft.com/office/drawing/2017/decorative" val="1"/>
+                </a:ext>
+              </a:extLst>
+            </p:cNvPr>
+            <p:cNvSpPr/>
+            <p:nvPr>
+              <p:extLst>
+                <p:ext uri="{386F3935-93C4-4BCD-93E2-E3B085C9AB24}">
+                  <p16:designElem xmlns:p16="http://schemas.microsoft.com/office/powerpoint/2015/main" val="1"/>
+                </p:ext>
+              </p:extLst>
+            </p:nvPr>
+          </p:nvSpPr>
+          <p:spPr>
+            <a:xfrm>
+              <a:off x="3825434" y="0"/>
+              <a:ext cx="4303422" cy="1575461"/>
+            </a:xfrm>
+            <a:prstGeom prst="rect">
+              <a:avLst/>
+            </a:prstGeom>
+            <a:gradFill>
+              <a:gsLst>
+                <a:gs pos="0">
+                  <a:schemeClr val="accent1">
+                    <a:alpha val="17000"/>
+                  </a:schemeClr>
+                </a:gs>
+                <a:gs pos="74000">
+                  <a:schemeClr val="accent1">
+                    <a:lumMod val="50000"/>
+                    <a:alpha val="0"/>
+                  </a:schemeClr>
+                </a:gs>
+              </a:gsLst>
+              <a:lin ang="14400000" scaled="0"/>
+            </a:gradFill>
+            <a:ln>
+              <a:noFill/>
+            </a:ln>
+          </p:spPr>
+          <p:style>
+            <a:lnRef idx="2">
+              <a:schemeClr val="accent1">
+                <a:shade val="50000"/>
+              </a:schemeClr>
+            </a:lnRef>
+            <a:fillRef idx="1">
+              <a:schemeClr val="accent1"/>
+            </a:fillRef>
+            <a:effectRef idx="0">
+              <a:schemeClr val="accent1"/>
+            </a:effectRef>
+            <a:fontRef idx="minor">
+              <a:schemeClr val="lt1"/>
+            </a:fontRef>
+          </p:style>
+          <p:txBody>
+            <a:bodyPr rtlCol="0" anchor="ctr"/>
+            <a:lstStyle/>
+            <a:p>
+              <a:pPr algn="ctr"/>
+              <a:endParaRPr lang="en-US"/>
+            </a:p>
+          </p:txBody>
+        </p:sp>
+      </p:grpSp>
       <p:sp>
         <p:nvSpPr>
           <p:cNvPr id="2" name="Title 1">
@@ -3197,56 +3495,274 @@
             <p:ph type="title"/>
           </p:nvPr>
         </p:nvSpPr>
-        <p:spPr/>
-        <p:txBody>
-          <a:bodyPr/>
-          <a:lstStyle/>
-          <a:p>
-            <a:r>
-              <a:rPr lang="en-US" dirty="0"/>
-              <a:t>Approaches</a:t>
-            </a:r>
-          </a:p>
-        </p:txBody>
-      </p:sp>
-      <p:sp>
-        <p:nvSpPr>
-          <p:cNvPr id="3" name="Content Placeholder 2">
+        <p:spPr>
+          <a:xfrm>
+            <a:off x="754786" y="267018"/>
+            <a:ext cx="9724030" cy="834251"/>
+          </a:xfrm>
+        </p:spPr>
+        <p:txBody>
+          <a:bodyPr anchor="ctr">
+            <a:normAutofit/>
+          </a:bodyPr>
+          <a:lstStyle/>
+          <a:p>
+            <a:r>
+              <a:rPr lang="en-US" sz="4000">
+                <a:solidFill>
+                  <a:srgbClr val="FFFFFF"/>
+                </a:solidFill>
+              </a:rPr>
+              <a:t>Use case 1: Therapy Session Co-Pilot</a:t>
+            </a:r>
+          </a:p>
+        </p:txBody>
+      </p:sp>
+      <p:sp>
+        <p:nvSpPr>
+          <p:cNvPr id="15" name="TextBox 14">
             <a:extLst>
               <a:ext uri="{FF2B5EF4-FFF2-40B4-BE49-F238E27FC236}">
-                <a16:creationId xmlns:a16="http://schemas.microsoft.com/office/drawing/2014/main" id="{DDE802D2-70AC-6AFF-F5F4-B188FD508683}"/>
+                <a16:creationId xmlns:a16="http://schemas.microsoft.com/office/drawing/2014/main" id="{FA73E0FF-CD25-4EFD-3A1B-8BA563A8135E}"/>
               </a:ext>
             </a:extLst>
           </p:cNvPr>
-          <p:cNvSpPr>
-            <a:spLocks noGrp="1"/>
-          </p:cNvSpPr>
-          <p:nvPr>
-            <p:ph idx="1"/>
-          </p:nvPr>
-        </p:nvSpPr>
-        <p:spPr/>
-        <p:txBody>
-          <a:bodyPr vert="horz" lIns="91440" tIns="45720" rIns="91440" bIns="45720" rtlCol="0" anchor="t">
-            <a:normAutofit/>
+          <p:cNvSpPr txBox="1"/>
+          <p:nvPr/>
+        </p:nvSpPr>
+        <p:spPr>
+          <a:xfrm>
+            <a:off x="596522" y="1657813"/>
+            <a:ext cx="8249891" cy="369332"/>
+          </a:xfrm>
+          <a:prstGeom prst="rect">
+            <a:avLst/>
+          </a:prstGeom>
+          <a:noFill/>
+        </p:spPr>
+        <p:txBody>
+          <a:bodyPr wrap="square">
+            <a:spAutoFit/>
           </a:bodyPr>
           <a:lstStyle/>
           <a:p>
             <a:r>
-              <a:rPr lang="en-US" dirty="0"/>
-              <a:t>Azure AI Studio</a:t>
-            </a:r>
-          </a:p>
-          <a:p>
-            <a:r>
-              <a:rPr lang="en-US" dirty="0"/>
-              <a:t>Data Factory pipeline</a:t>
-            </a:r>
-          </a:p>
-          <a:p>
-            <a:r>
-              <a:rPr lang="en-US" dirty="0"/>
-              <a:t>Vision services</a:t>
+              <a:rPr lang="en-US" b="1"/>
+              <a:t>Objective: Assist the RBT and BCBA during or after a session with the child</a:t>
+            </a:r>
+          </a:p>
+        </p:txBody>
+      </p:sp>
+      <p:sp>
+        <p:nvSpPr>
+          <p:cNvPr id="21" name="TextBox 20">
+            <a:extLst>
+              <a:ext uri="{FF2B5EF4-FFF2-40B4-BE49-F238E27FC236}">
+                <a16:creationId xmlns:a16="http://schemas.microsoft.com/office/drawing/2014/main" id="{219DC741-2F5C-63CE-5718-0C5363E28B86}"/>
+              </a:ext>
+            </a:extLst>
+          </p:cNvPr>
+          <p:cNvSpPr txBox="1"/>
+          <p:nvPr/>
+        </p:nvSpPr>
+        <p:spPr>
+          <a:xfrm>
+            <a:off x="596523" y="2108511"/>
+            <a:ext cx="10565649" cy="4524315"/>
+          </a:xfrm>
+          <a:prstGeom prst="rect">
+            <a:avLst/>
+          </a:prstGeom>
+          <a:noFill/>
+        </p:spPr>
+        <p:txBody>
+          <a:bodyPr wrap="square">
+            <a:spAutoFit/>
+          </a:bodyPr>
+          <a:lstStyle/>
+          <a:p>
+            <a:r>
+              <a:rPr lang="en-US"/>
+              <a:t>An RBT (Registered Behavioral Technician) implements a session designed by the BCBA and looks to accomplish the goals and targets set by the BCBA. </a:t>
+            </a:r>
+          </a:p>
+          <a:p>
+            <a:br>
+              <a:rPr lang="en-US"/>
+            </a:br>
+            <a:r>
+              <a:rPr lang="en-US" b="1"/>
+              <a:t>Historically:</a:t>
+            </a:r>
+            <a:r>
+              <a:rPr lang="en-US"/>
+              <a:t> A therapist uses an IoT device to capture their observations.</a:t>
+            </a:r>
+          </a:p>
+          <a:p>
+            <a:r>
+              <a:rPr lang="en-US"/>
+              <a:t>This device is a digital counter where the therapist would increment</a:t>
+            </a:r>
+            <a:br>
+              <a:rPr lang="en-US"/>
+            </a:br>
+            <a:r>
+              <a:rPr lang="en-US"/>
+              <a:t>a counter by 1 each time a behavior is observed. </a:t>
+            </a:r>
+          </a:p>
+          <a:p>
+            <a:endParaRPr lang="en-US"/>
+          </a:p>
+          <a:p>
+            <a:r>
+              <a:rPr lang="en-US" b="1"/>
+              <a:t>Challenges:</a:t>
+            </a:r>
+            <a:r>
+              <a:rPr lang="en-US"/>
+              <a:t> </a:t>
+            </a:r>
+          </a:p>
+          <a:p>
+            <a:pPr marL="285750" indent="-285750">
+              <a:buFontTx/>
+              <a:buChar char="-"/>
+            </a:pPr>
+            <a:r>
+              <a:rPr lang="en-US"/>
+              <a:t>Splits the focus of the RBT between focusing on the child and capturing the observations</a:t>
+            </a:r>
+          </a:p>
+          <a:p>
+            <a:pPr marL="285750" indent="-285750">
+              <a:buFontTx/>
+              <a:buChar char="-"/>
+            </a:pPr>
+            <a:r>
+              <a:rPr lang="en-US"/>
+              <a:t>It’s a very one-</a:t>
+            </a:r>
+            <a:r>
+              <a:rPr lang="en-US" err="1"/>
+              <a:t>dimnesional</a:t>
+            </a:r>
+            <a:r>
+              <a:rPr lang="en-US"/>
+              <a:t> approach to capture the observations</a:t>
+            </a:r>
+          </a:p>
+          <a:p>
+            <a:pPr marL="285750" indent="-285750">
+              <a:buFontTx/>
+              <a:buChar char="-"/>
+            </a:pPr>
+            <a:endParaRPr lang="en-US"/>
+          </a:p>
+          <a:p>
+            <a:r>
+              <a:rPr lang="en-US"/>
+              <a:t>This use case attempts to solve these challenges by providing multi-sensory approach to data capture.</a:t>
+            </a:r>
+          </a:p>
+          <a:p>
+            <a:endParaRPr lang="en-US"/>
+          </a:p>
+          <a:p>
+            <a:r>
+              <a:rPr lang="en-US" b="1"/>
+              <a:t>Goal:</a:t>
+            </a:r>
+            <a:r>
+              <a:rPr lang="en-US"/>
+              <a:t> </a:t>
+            </a:r>
+          </a:p>
+          <a:p>
+            <a:pPr marL="285750" indent="-285750">
+              <a:buFontTx/>
+              <a:buChar char="-"/>
+            </a:pPr>
+            <a:r>
+              <a:rPr lang="en-US"/>
+              <a:t>Analyze Video &amp; Audio recorded during therapy sessions</a:t>
+            </a:r>
+          </a:p>
+          <a:p>
+            <a:pPr marL="285750" indent="-285750">
+              <a:buFontTx/>
+              <a:buChar char="-"/>
+            </a:pPr>
+            <a:r>
+              <a:rPr lang="en-US"/>
+              <a:t>Provide a summarization of the session and analytics around specific areas of interest of the patient </a:t>
+            </a:r>
+          </a:p>
+        </p:txBody>
+      </p:sp>
+      <p:pic>
+        <p:nvPicPr>
+          <p:cNvPr id="22" name="Picture 21">
+            <a:extLst>
+              <a:ext uri="{FF2B5EF4-FFF2-40B4-BE49-F238E27FC236}">
+                <a16:creationId xmlns:a16="http://schemas.microsoft.com/office/drawing/2014/main" id="{1312AB2D-E332-EF1C-73CF-E5E5137EB650}"/>
+              </a:ext>
+            </a:extLst>
+          </p:cNvPr>
+          <p:cNvPicPr>
+            <a:picLocks noChangeAspect="1"/>
+          </p:cNvPicPr>
+          <p:nvPr/>
+        </p:nvPicPr>
+        <p:blipFill>
+          <a:blip r:embed="rId2"/>
+          <a:stretch>
+            <a:fillRect/>
+          </a:stretch>
+        </p:blipFill>
+        <p:spPr>
+          <a:xfrm>
+            <a:off x="7900903" y="2903279"/>
+            <a:ext cx="2282844" cy="775695"/>
+          </a:xfrm>
+          <a:prstGeom prst="rect">
+            <a:avLst/>
+          </a:prstGeom>
+        </p:spPr>
+      </p:pic>
+      <p:sp>
+        <p:nvSpPr>
+          <p:cNvPr id="24" name="TextBox 23">
+            <a:extLst>
+              <a:ext uri="{FF2B5EF4-FFF2-40B4-BE49-F238E27FC236}">
+                <a16:creationId xmlns:a16="http://schemas.microsoft.com/office/drawing/2014/main" id="{719C7004-3DB9-86EA-9669-CFB6E4829BDE}"/>
+              </a:ext>
+            </a:extLst>
+          </p:cNvPr>
+          <p:cNvSpPr txBox="1"/>
+          <p:nvPr/>
+        </p:nvSpPr>
+        <p:spPr>
+          <a:xfrm>
+            <a:off x="7900903" y="3699227"/>
+            <a:ext cx="2256241" cy="430887"/>
+          </a:xfrm>
+          <a:prstGeom prst="rect">
+            <a:avLst/>
+          </a:prstGeom>
+          <a:noFill/>
+        </p:spPr>
+        <p:txBody>
+          <a:bodyPr wrap="square" rtlCol="0">
+            <a:spAutoFit/>
+          </a:bodyPr>
+          <a:lstStyle/>
+          <a:p>
+            <a:pPr algn="ctr"/>
+            <a:r>
+              <a:rPr lang="en-US" sz="1100"/>
+              <a:t>Actual IOT Device built during FSI Autism hackathon in years past.</a:t>
             </a:r>
           </a:p>
         </p:txBody>
@@ -3267,6 +3783,14 @@
 <file path=ppt/slides/slide3.xml><?xml version="1.0" encoding="utf-8"?>
 <p:sld xmlns:a="http://schemas.openxmlformats.org/drawingml/2006/main" xmlns:r="http://schemas.openxmlformats.org/officeDocument/2006/relationships" xmlns:p="http://schemas.openxmlformats.org/presentationml/2006/main">
   <p:cSld>
+    <p:bg>
+      <p:bgPr>
+        <a:solidFill>
+          <a:schemeClr val="bg1"/>
+        </a:solidFill>
+        <a:effectLst/>
+      </p:bgPr>
+    </p:bg>
     <p:spTree>
       <p:nvGrpSpPr>
         <p:cNvPr id="1" name=""/>
@@ -3281,12 +3805,340 @@
           <a:chExt cx="0" cy="0"/>
         </a:xfrm>
       </p:grpSpPr>
+      <p:sp useBgFill="1">
+        <p:nvSpPr>
+          <p:cNvPr id="14" name="Rectangle 13">
+            <a:extLst>
+              <a:ext uri="{FF2B5EF4-FFF2-40B4-BE49-F238E27FC236}">
+                <a16:creationId xmlns:a16="http://schemas.microsoft.com/office/drawing/2014/main" id="{50D1C5B3-B60D-4696-AE60-100D5EC8AB5D}"/>
+              </a:ext>
+              <a:ext uri="{C183D7F6-B498-43B3-948B-1728B52AA6E4}">
+                <adec:decorative xmlns:adec="http://schemas.microsoft.com/office/drawing/2017/decorative" val="1"/>
+              </a:ext>
+            </a:extLst>
+          </p:cNvPr>
+          <p:cNvSpPr>
+            <a:spLocks noGrp="1" noRot="1" noChangeAspect="1" noMove="1" noResize="1" noEditPoints="1" noAdjustHandles="1" noChangeArrowheads="1" noChangeShapeType="1" noTextEdit="1"/>
+          </p:cNvSpPr>
+          <p:nvPr>
+            <p:extLst>
+              <p:ext uri="{386F3935-93C4-4BCD-93E2-E3B085C9AB24}">
+                <p16:designElem xmlns:p16="http://schemas.microsoft.com/office/powerpoint/2015/main" val="1"/>
+              </p:ext>
+            </p:extLst>
+          </p:nvPr>
+        </p:nvSpPr>
+        <p:spPr>
+          <a:xfrm>
+            <a:off x="0" y="0"/>
+            <a:ext cx="12192000" cy="6858000"/>
+          </a:xfrm>
+          <a:prstGeom prst="rect">
+            <a:avLst/>
+          </a:prstGeom>
+          <a:ln w="12700" cap="flat" cmpd="sng" algn="ctr">
+            <a:noFill/>
+            <a:prstDash val="solid"/>
+            <a:miter lim="800000"/>
+          </a:ln>
+          <a:effectLst/>
+          <a:extLst>
+            <a:ext uri="{91240B29-F687-4F45-9708-019B960494DF}">
+              <a14:hiddenLine xmlns:a14="http://schemas.microsoft.com/office/drawing/2010/main" w="12700" cap="flat" cmpd="sng" algn="ctr">
+                <a:solidFill>
+                  <a:schemeClr val="accent1">
+                    <a:shade val="50000"/>
+                  </a:schemeClr>
+                </a:solidFill>
+                <a:prstDash val="solid"/>
+                <a:miter lim="800000"/>
+              </a14:hiddenLine>
+            </a:ext>
+          </a:extLst>
+        </p:spPr>
+        <p:style>
+          <a:lnRef idx="2">
+            <a:schemeClr val="accent1">
+              <a:shade val="50000"/>
+            </a:schemeClr>
+          </a:lnRef>
+          <a:fillRef idx="1">
+            <a:schemeClr val="accent1"/>
+          </a:fillRef>
+          <a:effectRef idx="0">
+            <a:schemeClr val="accent1"/>
+          </a:effectRef>
+          <a:fontRef idx="minor">
+            <a:schemeClr val="lt1"/>
+          </a:fontRef>
+        </p:style>
+        <p:txBody>
+          <a:bodyPr rtlCol="0" anchor="ctr"/>
+          <a:lstStyle/>
+          <a:p>
+            <a:pPr algn="ctr"/>
+            <a:endParaRPr lang="en-US"/>
+          </a:p>
+        </p:txBody>
+      </p:sp>
+      <p:grpSp>
+        <p:nvGrpSpPr>
+          <p:cNvPr id="16" name="Group 15">
+            <a:extLst>
+              <a:ext uri="{FF2B5EF4-FFF2-40B4-BE49-F238E27FC236}">
+                <a16:creationId xmlns:a16="http://schemas.microsoft.com/office/drawing/2014/main" id="{73EDDF53-0851-48D4-A466-6FE0DCE91E73}"/>
+              </a:ext>
+              <a:ext uri="{C183D7F6-B498-43B3-948B-1728B52AA6E4}">
+                <adec:decorative xmlns:adec="http://schemas.microsoft.com/office/drawing/2017/decorative" val="1"/>
+              </a:ext>
+            </a:extLst>
+          </p:cNvPr>
+          <p:cNvGrpSpPr>
+            <a:grpSpLocks noGrp="1" noUngrp="1" noRot="1" noChangeAspect="1" noMove="1" noResize="1"/>
+          </p:cNvGrpSpPr>
+          <p:nvPr>
+            <p:extLst>
+              <p:ext uri="{386F3935-93C4-4BCD-93E2-E3B085C9AB24}">
+                <p16:designElem xmlns:p16="http://schemas.microsoft.com/office/powerpoint/2015/main" val="1"/>
+              </p:ext>
+            </p:extLst>
+          </p:nvPr>
+        </p:nvGrpSpPr>
+        <p:grpSpPr>
+          <a:xfrm>
+            <a:off x="0" y="0"/>
+            <a:ext cx="12192002" cy="1576446"/>
+            <a:chOff x="0" y="0"/>
+            <a:chExt cx="12192002" cy="1576446"/>
+          </a:xfrm>
+        </p:grpSpPr>
+        <p:sp>
+          <p:nvSpPr>
+            <p:cNvPr id="17" name="Rectangle 16">
+              <a:extLst>
+                <a:ext uri="{FF2B5EF4-FFF2-40B4-BE49-F238E27FC236}">
+                  <a16:creationId xmlns:a16="http://schemas.microsoft.com/office/drawing/2014/main" id="{D074D04C-85E8-4A3E-90D7-86A10AE04827}"/>
+                </a:ext>
+                <a:ext uri="{C183D7F6-B498-43B3-948B-1728B52AA6E4}">
+                  <adec:decorative xmlns:adec="http://schemas.microsoft.com/office/drawing/2017/decorative" val="1"/>
+                </a:ext>
+              </a:extLst>
+            </p:cNvPr>
+            <p:cNvSpPr/>
+            <p:nvPr>
+              <p:extLst>
+                <p:ext uri="{386F3935-93C4-4BCD-93E2-E3B085C9AB24}">
+                  <p16:designElem xmlns:p16="http://schemas.microsoft.com/office/powerpoint/2015/main" val="1"/>
+                </p:ext>
+              </p:extLst>
+            </p:nvPr>
+          </p:nvSpPr>
+          <p:spPr>
+            <a:xfrm rot="10800000" flipH="1">
+              <a:off x="2" y="0"/>
+              <a:ext cx="12191998" cy="1575955"/>
+            </a:xfrm>
+            <a:prstGeom prst="rect">
+              <a:avLst/>
+            </a:prstGeom>
+            <a:gradFill>
+              <a:gsLst>
+                <a:gs pos="0">
+                  <a:srgbClr val="000000">
+                    <a:alpha val="96000"/>
+                  </a:srgbClr>
+                </a:gs>
+                <a:gs pos="100000">
+                  <a:schemeClr val="accent1">
+                    <a:lumMod val="75000"/>
+                  </a:schemeClr>
+                </a:gs>
+              </a:gsLst>
+              <a:lin ang="8400000" scaled="0"/>
+            </a:gradFill>
+            <a:ln>
+              <a:noFill/>
+            </a:ln>
+          </p:spPr>
+          <p:style>
+            <a:lnRef idx="2">
+              <a:schemeClr val="accent1">
+                <a:shade val="50000"/>
+              </a:schemeClr>
+            </a:lnRef>
+            <a:fillRef idx="1">
+              <a:schemeClr val="accent1"/>
+            </a:fillRef>
+            <a:effectRef idx="0">
+              <a:schemeClr val="accent1"/>
+            </a:effectRef>
+            <a:fontRef idx="minor">
+              <a:schemeClr val="lt1"/>
+            </a:fontRef>
+          </p:style>
+          <p:txBody>
+            <a:bodyPr rtlCol="0" anchor="ctr"/>
+            <a:lstStyle/>
+            <a:p>
+              <a:pPr algn="ctr"/>
+              <a:endParaRPr lang="en-US"/>
+            </a:p>
+          </p:txBody>
+        </p:sp>
+        <p:sp>
+          <p:nvSpPr>
+            <p:cNvPr id="18" name="Rectangle 17">
+              <a:extLst>
+                <a:ext uri="{FF2B5EF4-FFF2-40B4-BE49-F238E27FC236}">
+                  <a16:creationId xmlns:a16="http://schemas.microsoft.com/office/drawing/2014/main" id="{4097020A-86B6-43BD-A2AA-66AE72CA3110}"/>
+                </a:ext>
+                <a:ext uri="{C183D7F6-B498-43B3-948B-1728B52AA6E4}">
+                  <adec:decorative xmlns:adec="http://schemas.microsoft.com/office/drawing/2017/decorative" val="1"/>
+                </a:ext>
+              </a:extLst>
+            </p:cNvPr>
+            <p:cNvSpPr/>
+            <p:nvPr>
+              <p:extLst>
+                <p:ext uri="{386F3935-93C4-4BCD-93E2-E3B085C9AB24}">
+                  <p16:designElem xmlns:p16="http://schemas.microsoft.com/office/powerpoint/2015/main" val="1"/>
+                </p:ext>
+              </p:extLst>
+            </p:nvPr>
+          </p:nvSpPr>
+          <p:spPr>
+            <a:xfrm rot="16200000">
+              <a:off x="5307778" y="-5307778"/>
+              <a:ext cx="1576446" cy="12192002"/>
+            </a:xfrm>
+            <a:prstGeom prst="rect">
+              <a:avLst/>
+            </a:prstGeom>
+            <a:gradFill>
+              <a:gsLst>
+                <a:gs pos="45000">
+                  <a:schemeClr val="accent1">
+                    <a:alpha val="0"/>
+                  </a:schemeClr>
+                </a:gs>
+                <a:gs pos="99000">
+                  <a:srgbClr val="000000">
+                    <a:alpha val="74000"/>
+                  </a:srgbClr>
+                </a:gs>
+              </a:gsLst>
+              <a:lin ang="11400000" scaled="0"/>
+            </a:gradFill>
+            <a:ln>
+              <a:noFill/>
+            </a:ln>
+          </p:spPr>
+          <p:style>
+            <a:lnRef idx="2">
+              <a:schemeClr val="accent1">
+                <a:shade val="50000"/>
+              </a:schemeClr>
+            </a:lnRef>
+            <a:fillRef idx="1">
+              <a:schemeClr val="accent1"/>
+            </a:fillRef>
+            <a:effectRef idx="0">
+              <a:schemeClr val="accent1"/>
+            </a:effectRef>
+            <a:fontRef idx="minor">
+              <a:schemeClr val="lt1"/>
+            </a:fontRef>
+          </p:style>
+          <p:txBody>
+            <a:bodyPr rtlCol="0" anchor="ctr"/>
+            <a:lstStyle/>
+            <a:p>
+              <a:pPr algn="ctr"/>
+              <a:endParaRPr lang="en-US"/>
+            </a:p>
+          </p:txBody>
+        </p:sp>
+        <p:sp>
+          <p:nvSpPr>
+            <p:cNvPr id="19" name="Rectangle 18">
+              <a:extLst>
+                <a:ext uri="{FF2B5EF4-FFF2-40B4-BE49-F238E27FC236}">
+                  <a16:creationId xmlns:a16="http://schemas.microsoft.com/office/drawing/2014/main" id="{20C6C743-32FE-4E24-AA22-45D3B1C7C0A1}"/>
+                </a:ext>
+                <a:ext uri="{C183D7F6-B498-43B3-948B-1728B52AA6E4}">
+                  <adec:decorative xmlns:adec="http://schemas.microsoft.com/office/drawing/2017/decorative" val="1"/>
+                </a:ext>
+              </a:extLst>
+            </p:cNvPr>
+            <p:cNvSpPr/>
+            <p:nvPr>
+              <p:extLst>
+                <p:ext uri="{386F3935-93C4-4BCD-93E2-E3B085C9AB24}">
+                  <p16:designElem xmlns:p16="http://schemas.microsoft.com/office/powerpoint/2015/main" val="1"/>
+                </p:ext>
+              </p:extLst>
+            </p:nvPr>
+          </p:nvSpPr>
+          <p:spPr>
+            <a:xfrm>
+              <a:off x="3825434" y="0"/>
+              <a:ext cx="4303422" cy="1575461"/>
+            </a:xfrm>
+            <a:prstGeom prst="rect">
+              <a:avLst/>
+            </a:prstGeom>
+            <a:gradFill>
+              <a:gsLst>
+                <a:gs pos="0">
+                  <a:schemeClr val="accent1">
+                    <a:alpha val="17000"/>
+                  </a:schemeClr>
+                </a:gs>
+                <a:gs pos="74000">
+                  <a:schemeClr val="accent1">
+                    <a:lumMod val="50000"/>
+                    <a:alpha val="0"/>
+                  </a:schemeClr>
+                </a:gs>
+              </a:gsLst>
+              <a:lin ang="14400000" scaled="0"/>
+            </a:gradFill>
+            <a:ln>
+              <a:noFill/>
+            </a:ln>
+          </p:spPr>
+          <p:style>
+            <a:lnRef idx="2">
+              <a:schemeClr val="accent1">
+                <a:shade val="50000"/>
+              </a:schemeClr>
+            </a:lnRef>
+            <a:fillRef idx="1">
+              <a:schemeClr val="accent1"/>
+            </a:fillRef>
+            <a:effectRef idx="0">
+              <a:schemeClr val="accent1"/>
+            </a:effectRef>
+            <a:fontRef idx="minor">
+              <a:schemeClr val="lt1"/>
+            </a:fontRef>
+          </p:style>
+          <p:txBody>
+            <a:bodyPr rtlCol="0" anchor="ctr"/>
+            <a:lstStyle/>
+            <a:p>
+              <a:pPr algn="ctr"/>
+              <a:endParaRPr lang="en-US"/>
+            </a:p>
+          </p:txBody>
+        </p:sp>
+      </p:grpSp>
       <p:sp>
         <p:nvSpPr>
           <p:cNvPr id="2" name="Title 1">
             <a:extLst>
               <a:ext uri="{FF2B5EF4-FFF2-40B4-BE49-F238E27FC236}">
-                <a16:creationId xmlns:a16="http://schemas.microsoft.com/office/drawing/2014/main" id="{2BEFE1B0-9B5B-65B6-FC6D-24DB2B84D511}"/>
+                <a16:creationId xmlns:a16="http://schemas.microsoft.com/office/drawing/2014/main" id="{63D86274-E049-A179-D37D-6A4FAAF53928}"/>
               </a:ext>
             </a:extLst>
           </p:cNvPr>
@@ -3297,174 +4149,394 @@
             <p:ph type="title"/>
           </p:nvPr>
         </p:nvSpPr>
-        <p:spPr/>
-        <p:txBody>
-          <a:bodyPr/>
-          <a:lstStyle/>
-          <a:p>
-            <a:r>
-              <a:rPr lang="en-US" dirty="0"/>
-              <a:t>Azure AI Studio</a:t>
-            </a:r>
-          </a:p>
-        </p:txBody>
-      </p:sp>
-      <p:sp>
-        <p:nvSpPr>
-          <p:cNvPr id="3" name="Content Placeholder 2">
+        <p:spPr>
+          <a:xfrm>
+            <a:off x="1371600" y="407695"/>
+            <a:ext cx="9724030" cy="834251"/>
+          </a:xfrm>
+        </p:spPr>
+        <p:txBody>
+          <a:bodyPr anchor="ctr">
+            <a:normAutofit/>
+          </a:bodyPr>
+          <a:lstStyle/>
+          <a:p>
+            <a:r>
+              <a:rPr lang="en-US" sz="4000">
+                <a:solidFill>
+                  <a:srgbClr val="FFFFFF"/>
+                </a:solidFill>
+              </a:rPr>
+              <a:t>Technical Approaches</a:t>
+            </a:r>
+          </a:p>
+        </p:txBody>
+      </p:sp>
+      <p:pic>
+        <p:nvPicPr>
+          <p:cNvPr id="9" name="Picture 8">
             <a:extLst>
               <a:ext uri="{FF2B5EF4-FFF2-40B4-BE49-F238E27FC236}">
-                <a16:creationId xmlns:a16="http://schemas.microsoft.com/office/drawing/2014/main" id="{BE2EBE84-BBAD-D2CD-E20E-07E4357FEDC9}"/>
+                <a16:creationId xmlns:a16="http://schemas.microsoft.com/office/drawing/2014/main" id="{10C30A3D-622E-6ACB-6519-6F5C0A5FEA04}"/>
               </a:ext>
             </a:extLst>
           </p:cNvPr>
-          <p:cNvSpPr>
-            <a:spLocks noGrp="1"/>
-          </p:cNvSpPr>
-          <p:nvPr>
-            <p:ph idx="1"/>
-          </p:nvPr>
-        </p:nvSpPr>
-        <p:spPr/>
-        <p:txBody>
-          <a:bodyPr vert="horz" lIns="91440" tIns="45720" rIns="91440" bIns="45720" rtlCol="0" anchor="t">
-            <a:normAutofit/>
+          <p:cNvPicPr>
+            <a:picLocks noChangeAspect="1"/>
+          </p:cNvPicPr>
+          <p:nvPr/>
+        </p:nvPicPr>
+        <p:blipFill>
+          <a:blip r:embed="rId2"/>
+          <a:stretch>
+            <a:fillRect/>
+          </a:stretch>
+        </p:blipFill>
+        <p:spPr>
+          <a:xfrm>
+            <a:off x="8668656" y="2127013"/>
+            <a:ext cx="2431322" cy="2133001"/>
+          </a:xfrm>
+          <a:prstGeom prst="rect">
+            <a:avLst/>
+          </a:prstGeom>
+        </p:spPr>
+      </p:pic>
+      <p:pic>
+        <p:nvPicPr>
+          <p:cNvPr id="5" name="Picture 4" descr="Microsoft Azure - Wikipedia">
+            <a:extLst>
+              <a:ext uri="{FF2B5EF4-FFF2-40B4-BE49-F238E27FC236}">
+                <a16:creationId xmlns:a16="http://schemas.microsoft.com/office/drawing/2014/main" id="{7FED3E28-4918-4AEA-7F62-94C4A27CEC4D}"/>
+              </a:ext>
+            </a:extLst>
+          </p:cNvPr>
+          <p:cNvPicPr>
+            <a:picLocks noChangeAspect="1"/>
+          </p:cNvPicPr>
+          <p:nvPr/>
+        </p:nvPicPr>
+        <p:blipFill>
+          <a:blip r:embed="rId3"/>
+          <a:stretch>
+            <a:fillRect/>
+          </a:stretch>
+        </p:blipFill>
+        <p:spPr>
+          <a:xfrm>
+            <a:off x="984260" y="2819740"/>
+            <a:ext cx="2133001" cy="2133001"/>
+          </a:xfrm>
+          <a:prstGeom prst="rect">
+            <a:avLst/>
+          </a:prstGeom>
+        </p:spPr>
+      </p:pic>
+      <p:pic>
+        <p:nvPicPr>
+          <p:cNvPr id="6" name="Picture 5" descr="Create Azure Data Factory Pipeline | K21Academy">
+            <a:extLst>
+              <a:ext uri="{FF2B5EF4-FFF2-40B4-BE49-F238E27FC236}">
+                <a16:creationId xmlns:a16="http://schemas.microsoft.com/office/drawing/2014/main" id="{9D844C11-E044-C9D5-7BB3-6D42A21CAD72}"/>
+              </a:ext>
+            </a:extLst>
+          </p:cNvPr>
+          <p:cNvPicPr>
+            <a:picLocks noChangeAspect="1"/>
+          </p:cNvPicPr>
+          <p:nvPr/>
+        </p:nvPicPr>
+        <p:blipFill>
+          <a:blip r:embed="rId4"/>
+          <a:stretch>
+            <a:fillRect/>
+          </a:stretch>
+        </p:blipFill>
+        <p:spPr>
+          <a:xfrm>
+            <a:off x="4258923" y="2388664"/>
+            <a:ext cx="3061813" cy="1607451"/>
+          </a:xfrm>
+          <a:prstGeom prst="rect">
+            <a:avLst/>
+          </a:prstGeom>
+        </p:spPr>
+      </p:pic>
+      <p:sp>
+        <p:nvSpPr>
+          <p:cNvPr id="10" name="TextBox 9">
+            <a:extLst>
+              <a:ext uri="{FF2B5EF4-FFF2-40B4-BE49-F238E27FC236}">
+                <a16:creationId xmlns:a16="http://schemas.microsoft.com/office/drawing/2014/main" id="{48F6D9DF-1E96-5C95-72D8-2F4021502A30}"/>
+              </a:ext>
+            </a:extLst>
+          </p:cNvPr>
+          <p:cNvSpPr txBox="1"/>
+          <p:nvPr/>
+        </p:nvSpPr>
+        <p:spPr>
+          <a:xfrm>
+            <a:off x="1099563" y="5077440"/>
+            <a:ext cx="1900990" cy="400110"/>
+          </a:xfrm>
+          <a:prstGeom prst="rect">
+            <a:avLst/>
+          </a:prstGeom>
+          <a:noFill/>
+        </p:spPr>
+        <p:txBody>
+          <a:bodyPr rot="0" spcFirstLastPara="0" vertOverflow="overflow" horzOverflow="overflow" vert="horz" wrap="square" lIns="91440" tIns="45720" rIns="91440" bIns="45720" numCol="1" spcCol="0" rtlCol="0" fromWordArt="0" anchor="t" anchorCtr="0" forceAA="0" compatLnSpc="1">
+            <a:prstTxWarp prst="textNoShape">
+              <a:avLst/>
+            </a:prstTxWarp>
+            <a:spAutoFit/>
           </a:bodyPr>
           <a:lstStyle/>
           <a:p>
             <a:r>
-              <a:rPr lang="en-US" sz="2000" dirty="0"/>
-              <a:t>Deploy the appropriate model:</a:t>
-            </a:r>
-            <a:r>
-              <a:rPr lang="en-US" dirty="0"/>
-              <a:t> </a:t>
-            </a:r>
-            <a:r>
-              <a:rPr lang="en-US" sz="2000" dirty="0">
-                <a:latin typeface="Aptos"/>
-                <a:cs typeface="Segoe UI"/>
+              <a:rPr lang="en-US" sz="2000">
+                <a:cs typeface="Arial"/>
               </a:rPr>
-              <a:t>gpt-4-vision Preview (GPT-4 Turbo with vision)</a:t>
-            </a:r>
-            <a:endParaRPr lang="en-US" sz="2000">
-              <a:latin typeface="Aptos"/>
-            </a:endParaRPr>
-          </a:p>
-          <a:p>
-            <a:r>
-              <a:rPr lang="en-US" sz="2000" dirty="0"/>
-              <a:t>Upload the video in playground</a:t>
-            </a:r>
-          </a:p>
-          <a:p>
-            <a:pPr lvl="1">
-              <a:buFont typeface="Courier New" panose="020B0604020202020204" pitchFamily="34" charset="0"/>
-              <a:buChar char="o"/>
-            </a:pPr>
-            <a:r>
-              <a:rPr lang="en-US" sz="1600" dirty="0"/>
-              <a:t>Video is ingested and indexed</a:t>
-            </a:r>
-          </a:p>
-          <a:p>
-            <a:pPr lvl="1">
-              <a:buFont typeface="Courier New" panose="020B0604020202020204" pitchFamily="34" charset="0"/>
-              <a:buChar char="o"/>
-            </a:pPr>
-            <a:r>
-              <a:rPr lang="en-US" sz="1600" dirty="0"/>
-              <a:t>Add System message: Instructions to GPT-4 vision model</a:t>
-            </a:r>
-          </a:p>
-          <a:p>
-            <a:pPr lvl="1">
-              <a:buFont typeface="Courier New" panose="020B0604020202020204" pitchFamily="34" charset="0"/>
-              <a:buChar char="o"/>
-            </a:pPr>
-            <a:r>
-              <a:rPr lang="en-US" sz="1600" dirty="0"/>
-              <a:t>Add user prompt: This is the user's question to the GPT-4 vision model</a:t>
-            </a:r>
-          </a:p>
-          <a:p>
-            <a:pPr lvl="1">
-              <a:buFont typeface="Courier New" panose="020B0604020202020204" pitchFamily="34" charset="0"/>
-              <a:buChar char="o"/>
-            </a:pPr>
-            <a:r>
-              <a:rPr lang="en-US" sz="1600" dirty="0"/>
-              <a:t>Prompt engineering gives better results</a:t>
-            </a:r>
-          </a:p>
-          <a:p>
-            <a:r>
-              <a:rPr lang="en-US" sz="2000" dirty="0"/>
-              <a:t>Audio detection</a:t>
-            </a:r>
-          </a:p>
-          <a:p>
-            <a:pPr lvl="1">
-              <a:buFont typeface="Courier New" panose="020B0604020202020204" pitchFamily="34" charset="0"/>
-              <a:buChar char="o"/>
-            </a:pPr>
-            <a:r>
-              <a:rPr lang="en-US" sz="1600" dirty="0"/>
-              <a:t>Audio is not included by default</a:t>
-            </a:r>
-          </a:p>
-          <a:p>
-            <a:pPr lvl="1">
-              <a:buFont typeface="Courier New" panose="020B0604020202020204" pitchFamily="34" charset="0"/>
-              <a:buChar char="o"/>
-            </a:pPr>
-            <a:r>
-              <a:rPr lang="en-US" sz="1600" dirty="0"/>
-              <a:t>Transcript will not include vocal sounds that are not words – such as humming, music, groans, etc.</a:t>
-            </a:r>
-          </a:p>
-          <a:p>
-            <a:r>
-              <a:rPr lang="en-US" sz="2000" dirty="0"/>
-              <a:t>Transcription of the video</a:t>
-            </a:r>
-          </a:p>
-          <a:p>
-            <a:pPr lvl="1">
-              <a:buFont typeface="Courier New" panose="020B0604020202020204" pitchFamily="34" charset="0"/>
-              <a:buChar char="o"/>
-            </a:pPr>
-            <a:r>
-              <a:rPr lang="en-US" sz="1600" dirty="0"/>
-              <a:t>Transcript was not available</a:t>
-            </a:r>
-          </a:p>
-          <a:p>
-            <a:pPr lvl="1">
-              <a:buFont typeface="Courier New" panose="020B0604020202020204" pitchFamily="34" charset="0"/>
-              <a:buChar char="o"/>
-            </a:pPr>
-            <a:r>
-              <a:rPr lang="en-US" sz="1600" dirty="0"/>
-              <a:t>Used speech service to get real-time captioning, and then downloaded that</a:t>
-            </a:r>
-          </a:p>
-          <a:p>
-            <a:pPr lvl="1">
-              <a:buFont typeface="Courier New" panose="020B0604020202020204" pitchFamily="34" charset="0"/>
-              <a:buChar char="o"/>
-            </a:pPr>
-            <a:r>
-              <a:rPr lang="en-US" sz="1600" dirty="0"/>
-              <a:t>Provided transcript for the video</a:t>
-            </a:r>
+              <a:t>Azure AI Studio​</a:t>
+            </a:r>
+            <a:endParaRPr lang="en-US" sz="2000"/>
+          </a:p>
+        </p:txBody>
+      </p:sp>
+      <p:sp>
+        <p:nvSpPr>
+          <p:cNvPr id="11" name="TextBox 10">
+            <a:extLst>
+              <a:ext uri="{FF2B5EF4-FFF2-40B4-BE49-F238E27FC236}">
+                <a16:creationId xmlns:a16="http://schemas.microsoft.com/office/drawing/2014/main" id="{EB13B334-E943-F18E-0524-4F3B1BFF18D9}"/>
+              </a:ext>
+            </a:extLst>
+          </p:cNvPr>
+          <p:cNvSpPr txBox="1"/>
+          <p:nvPr/>
+        </p:nvSpPr>
+        <p:spPr>
+          <a:xfrm>
+            <a:off x="4619870" y="4384713"/>
+            <a:ext cx="2332122" cy="400110"/>
+          </a:xfrm>
+          <a:prstGeom prst="rect">
+            <a:avLst/>
+          </a:prstGeom>
+          <a:noFill/>
+        </p:spPr>
+        <p:txBody>
+          <a:bodyPr rot="0" spcFirstLastPara="0" vertOverflow="overflow" horzOverflow="overflow" vert="horz" wrap="square" lIns="91440" tIns="45720" rIns="91440" bIns="45720" numCol="1" spcCol="0" rtlCol="0" fromWordArt="0" anchor="t" anchorCtr="0" forceAA="0" compatLnSpc="1">
+            <a:prstTxWarp prst="textNoShape">
+              <a:avLst/>
+            </a:prstTxWarp>
+            <a:spAutoFit/>
+          </a:bodyPr>
+          <a:lstStyle/>
+          <a:p>
+            <a:r>
+              <a:rPr lang="en-US" sz="2000">
+                <a:cs typeface="Arial"/>
+              </a:rPr>
+              <a:t>Azure Data Factory</a:t>
+            </a:r>
+            <a:endParaRPr lang="en-US" sz="2000"/>
+          </a:p>
+        </p:txBody>
+      </p:sp>
+      <p:sp>
+        <p:nvSpPr>
+          <p:cNvPr id="13" name="TextBox 12">
+            <a:extLst>
+              <a:ext uri="{FF2B5EF4-FFF2-40B4-BE49-F238E27FC236}">
+                <a16:creationId xmlns:a16="http://schemas.microsoft.com/office/drawing/2014/main" id="{4BF5B452-69C8-9AD9-E1FF-4262428B8A81}"/>
+              </a:ext>
+            </a:extLst>
+          </p:cNvPr>
+          <p:cNvSpPr txBox="1"/>
+          <p:nvPr/>
+        </p:nvSpPr>
+        <p:spPr>
+          <a:xfrm>
+            <a:off x="8755823" y="4384713"/>
+            <a:ext cx="2542674" cy="400110"/>
+          </a:xfrm>
+          <a:prstGeom prst="rect">
+            <a:avLst/>
+          </a:prstGeom>
+          <a:noFill/>
+        </p:spPr>
+        <p:txBody>
+          <a:bodyPr rot="0" spcFirstLastPara="0" vertOverflow="overflow" horzOverflow="overflow" vert="horz" wrap="square" lIns="91440" tIns="45720" rIns="91440" bIns="45720" numCol="1" spcCol="0" rtlCol="0" fromWordArt="0" anchor="t" anchorCtr="0" forceAA="0" compatLnSpc="1">
+            <a:prstTxWarp prst="textNoShape">
+              <a:avLst/>
+            </a:prstTxWarp>
+            <a:spAutoFit/>
+          </a:bodyPr>
+          <a:lstStyle/>
+          <a:p>
+            <a:r>
+              <a:rPr lang="en-US" sz="2000">
+                <a:cs typeface="Arial"/>
+              </a:rPr>
+              <a:t>Azure Speech Studio</a:t>
+            </a:r>
+            <a:endParaRPr lang="en-US" sz="2000"/>
+          </a:p>
+        </p:txBody>
+      </p:sp>
+      <p:pic>
+        <p:nvPicPr>
+          <p:cNvPr id="3" name="Picture 2" descr="Azure Storage Static Website">
+            <a:extLst>
+              <a:ext uri="{FF2B5EF4-FFF2-40B4-BE49-F238E27FC236}">
+                <a16:creationId xmlns:a16="http://schemas.microsoft.com/office/drawing/2014/main" id="{06F3372D-C895-8EBF-7091-2E85358D485D}"/>
+              </a:ext>
+            </a:extLst>
+          </p:cNvPr>
+          <p:cNvPicPr>
+            <a:picLocks noChangeAspect="1"/>
+          </p:cNvPicPr>
+          <p:nvPr/>
+        </p:nvPicPr>
+        <p:blipFill>
+          <a:blip r:embed="rId5"/>
+          <a:stretch>
+            <a:fillRect/>
+          </a:stretch>
+        </p:blipFill>
+        <p:spPr>
+          <a:xfrm>
+            <a:off x="4421842" y="5266006"/>
+            <a:ext cx="2743197" cy="1032458"/>
+          </a:xfrm>
+          <a:prstGeom prst="rect">
+            <a:avLst/>
+          </a:prstGeom>
+        </p:spPr>
+      </p:pic>
+      <p:pic>
+        <p:nvPicPr>
+          <p:cNvPr id="4" name="Picture 3" descr="Pricing - Azure Cosmos DB | Microsoft Azure">
+            <a:extLst>
+              <a:ext uri="{FF2B5EF4-FFF2-40B4-BE49-F238E27FC236}">
+                <a16:creationId xmlns:a16="http://schemas.microsoft.com/office/drawing/2014/main" id="{A52D7A77-DD86-D6A2-21BA-7E9203EB1589}"/>
+              </a:ext>
+            </a:extLst>
+          </p:cNvPr>
+          <p:cNvPicPr>
+            <a:picLocks noChangeAspect="1"/>
+          </p:cNvPicPr>
+          <p:nvPr/>
+        </p:nvPicPr>
+        <p:blipFill>
+          <a:blip r:embed="rId6"/>
+          <a:stretch>
+            <a:fillRect/>
+          </a:stretch>
+        </p:blipFill>
+        <p:spPr>
+          <a:xfrm>
+            <a:off x="8657665" y="5062145"/>
+            <a:ext cx="2743200" cy="1440180"/>
+          </a:xfrm>
+          <a:prstGeom prst="rect">
+            <a:avLst/>
+          </a:prstGeom>
+        </p:spPr>
+      </p:pic>
+      <p:sp>
+        <p:nvSpPr>
+          <p:cNvPr id="7" name="TextBox 6">
+            <a:extLst>
+              <a:ext uri="{FF2B5EF4-FFF2-40B4-BE49-F238E27FC236}">
+                <a16:creationId xmlns:a16="http://schemas.microsoft.com/office/drawing/2014/main" id="{08547EE2-8F5D-54D1-0F6B-A721BF15F76C}"/>
+              </a:ext>
+            </a:extLst>
+          </p:cNvPr>
+          <p:cNvSpPr txBox="1"/>
+          <p:nvPr/>
+        </p:nvSpPr>
+        <p:spPr>
+          <a:xfrm>
+            <a:off x="4771113" y="6374775"/>
+            <a:ext cx="2542674" cy="400110"/>
+          </a:xfrm>
+          <a:prstGeom prst="rect">
+            <a:avLst/>
+          </a:prstGeom>
+          <a:noFill/>
+        </p:spPr>
+        <p:txBody>
+          <a:bodyPr rot="0" spcFirstLastPara="0" vertOverflow="overflow" horzOverflow="overflow" vert="horz" wrap="square" lIns="91440" tIns="45720" rIns="91440" bIns="45720" numCol="1" spcCol="0" rtlCol="0" fromWordArt="0" anchor="t" anchorCtr="0" forceAA="0" compatLnSpc="1">
+            <a:prstTxWarp prst="textNoShape">
+              <a:avLst/>
+            </a:prstTxWarp>
+            <a:spAutoFit/>
+          </a:bodyPr>
+          <a:lstStyle/>
+          <a:p>
+            <a:r>
+              <a:rPr lang="en-US" sz="2000">
+                <a:cs typeface="Arial"/>
+              </a:rPr>
+              <a:t>Azure Blob Storage</a:t>
+            </a:r>
+            <a:endParaRPr lang="en-US"/>
+          </a:p>
+        </p:txBody>
+      </p:sp>
+      <p:sp>
+        <p:nvSpPr>
+          <p:cNvPr id="8" name="TextBox 7">
+            <a:extLst>
+              <a:ext uri="{FF2B5EF4-FFF2-40B4-BE49-F238E27FC236}">
+                <a16:creationId xmlns:a16="http://schemas.microsoft.com/office/drawing/2014/main" id="{A1D095EB-47BB-DCB5-0493-C1D5B9B09007}"/>
+              </a:ext>
+            </a:extLst>
+          </p:cNvPr>
+          <p:cNvSpPr txBox="1"/>
+          <p:nvPr/>
+        </p:nvSpPr>
+        <p:spPr>
+          <a:xfrm>
+            <a:off x="8963641" y="6454236"/>
+            <a:ext cx="2542674" cy="400110"/>
+          </a:xfrm>
+          <a:prstGeom prst="rect">
+            <a:avLst/>
+          </a:prstGeom>
+          <a:noFill/>
+        </p:spPr>
+        <p:txBody>
+          <a:bodyPr rot="0" spcFirstLastPara="0" vertOverflow="overflow" horzOverflow="overflow" vert="horz" wrap="square" lIns="91440" tIns="45720" rIns="91440" bIns="45720" numCol="1" spcCol="0" rtlCol="0" fromWordArt="0" anchor="t" anchorCtr="0" forceAA="0" compatLnSpc="1">
+            <a:prstTxWarp prst="textNoShape">
+              <a:avLst/>
+            </a:prstTxWarp>
+            <a:spAutoFit/>
+          </a:bodyPr>
+          <a:lstStyle/>
+          <a:p>
+            <a:r>
+              <a:rPr lang="en-US" sz="2000">
+                <a:cs typeface="Arial"/>
+              </a:rPr>
+              <a:t>Azure </a:t>
+            </a:r>
+            <a:r>
+              <a:rPr lang="en-US" sz="2000" err="1">
+                <a:cs typeface="Arial"/>
+              </a:rPr>
+              <a:t>CosmosDB</a:t>
+            </a:r>
+            <a:endParaRPr lang="en-US" err="1"/>
           </a:p>
         </p:txBody>
       </p:sp>
     </p:spTree>
     <p:extLst>
       <p:ext uri="{BB962C8B-B14F-4D97-AF65-F5344CB8AC3E}">
-        <p14:creationId xmlns:p14="http://schemas.microsoft.com/office/powerpoint/2010/main" val="1030149979"/>
+        <p14:creationId xmlns:p14="http://schemas.microsoft.com/office/powerpoint/2010/main" val="2561061455"/>
       </p:ext>
     </p:extLst>
   </p:cSld>
@@ -3509,19 +4581,13 @@
         </p:nvSpPr>
         <p:spPr/>
         <p:txBody>
-          <a:bodyPr>
-            <a:normAutofit/>
-          </a:bodyPr>
-          <a:lstStyle/>
-          <a:p>
-            <a:r>
-              <a:rPr lang="en-US" dirty="0">
-                <a:ea typeface="+mj-lt"/>
-                <a:cs typeface="+mj-lt"/>
-              </a:rPr>
-              <a:t>Data Factory pipeline</a:t>
-            </a:r>
-            <a:endParaRPr lang="en-US" dirty="0"/>
+          <a:bodyPr/>
+          <a:lstStyle/>
+          <a:p>
+            <a:r>
+              <a:rPr lang="en-US"/>
+              <a:t>Azure AI Studio</a:t>
+            </a:r>
           </a:p>
         </p:txBody>
       </p:sp>
@@ -3549,24 +4615,28 @@
           <a:lstStyle/>
           <a:p>
             <a:r>
-              <a:rPr lang="en-US" sz="2000" dirty="0"/>
-              <a:t>Videos are uploaded into a blob storage container</a:t>
-            </a:r>
-            <a:endParaRPr lang="en-US" sz="2000" dirty="0">
+              <a:rPr lang="en-US" sz="2000"/>
+              <a:t>Deploy the appropriate model:</a:t>
+            </a:r>
+            <a:r>
+              <a:rPr lang="en-US"/>
+              <a:t> </a:t>
+            </a:r>
+            <a:r>
+              <a:rPr lang="en-US" sz="2000">
+                <a:latin typeface="Aptos"/>
+                <a:cs typeface="Segoe UI"/>
+              </a:rPr>
+              <a:t>gpt-4-vision Preview (GPT-4 Turbo with vision)</a:t>
+            </a:r>
+            <a:endParaRPr lang="en-US" sz="2000">
               <a:latin typeface="Aptos"/>
             </a:endParaRPr>
           </a:p>
           <a:p>
             <a:r>
-              <a:rPr lang="en-US" sz="2000" dirty="0"/>
-              <a:t>An event grid picks up the event and triggers a data factory pipeline</a:t>
-            </a:r>
-            <a:endParaRPr lang="en-US" dirty="0"/>
-          </a:p>
-          <a:p>
-            <a:r>
-              <a:rPr lang="en-US" sz="2000" dirty="0"/>
-              <a:t>The data factory pipeline </a:t>
+              <a:rPr lang="en-US" sz="2000"/>
+              <a:t>Upload the video in playground</a:t>
             </a:r>
           </a:p>
           <a:p>
@@ -3575,7 +4645,259 @@
               <a:buChar char="o"/>
             </a:pPr>
             <a:r>
-              <a:rPr lang="en-US" sz="1600" dirty="0">
+              <a:rPr lang="en-US" sz="1600"/>
+              <a:t>Video is ingested and indexed</a:t>
+            </a:r>
+          </a:p>
+          <a:p>
+            <a:pPr lvl="1">
+              <a:buFont typeface="Courier New" panose="020B0604020202020204" pitchFamily="34" charset="0"/>
+              <a:buChar char="o"/>
+            </a:pPr>
+            <a:r>
+              <a:rPr lang="en-US" sz="1600"/>
+              <a:t>Add System message: Instructions to GPT-4 vision model</a:t>
+            </a:r>
+          </a:p>
+          <a:p>
+            <a:pPr lvl="1">
+              <a:buFont typeface="Courier New" panose="020B0604020202020204" pitchFamily="34" charset="0"/>
+              <a:buChar char="o"/>
+            </a:pPr>
+            <a:r>
+              <a:rPr lang="en-US" sz="1600"/>
+              <a:t>Add user prompt: This is the user's question to the GPT-4 vision model</a:t>
+            </a:r>
+          </a:p>
+          <a:p>
+            <a:pPr lvl="1">
+              <a:buFont typeface="Courier New" panose="020B0604020202020204" pitchFamily="34" charset="0"/>
+              <a:buChar char="o"/>
+            </a:pPr>
+            <a:r>
+              <a:rPr lang="en-US" sz="1600"/>
+              <a:t>Prompt engineering gives better results</a:t>
+            </a:r>
+          </a:p>
+          <a:p>
+            <a:r>
+              <a:rPr lang="en-US" sz="2000"/>
+              <a:t>Audio detection</a:t>
+            </a:r>
+          </a:p>
+          <a:p>
+            <a:pPr lvl="1">
+              <a:buFont typeface="Courier New" panose="020B0604020202020204" pitchFamily="34" charset="0"/>
+              <a:buChar char="o"/>
+            </a:pPr>
+            <a:r>
+              <a:rPr lang="en-US" sz="1600"/>
+              <a:t>Audio is not included by default</a:t>
+            </a:r>
+          </a:p>
+          <a:p>
+            <a:pPr lvl="1">
+              <a:buFont typeface="Courier New" panose="020B0604020202020204" pitchFamily="34" charset="0"/>
+              <a:buChar char="o"/>
+            </a:pPr>
+            <a:r>
+              <a:rPr lang="en-US" sz="1600"/>
+              <a:t>Transcript will not include vocal sounds that are not words – such as humming, music, groans, etc.</a:t>
+            </a:r>
+          </a:p>
+          <a:p>
+            <a:r>
+              <a:rPr lang="en-US" sz="2000"/>
+              <a:t>Transcription of the video</a:t>
+            </a:r>
+          </a:p>
+          <a:p>
+            <a:pPr lvl="1">
+              <a:buFont typeface="Courier New" panose="020B0604020202020204" pitchFamily="34" charset="0"/>
+              <a:buChar char="o"/>
+            </a:pPr>
+            <a:r>
+              <a:rPr lang="en-US" sz="1600"/>
+              <a:t>Transcript was not available</a:t>
+            </a:r>
+          </a:p>
+          <a:p>
+            <a:pPr lvl="1">
+              <a:buFont typeface="Courier New" panose="020B0604020202020204" pitchFamily="34" charset="0"/>
+              <a:buChar char="o"/>
+            </a:pPr>
+            <a:r>
+              <a:rPr lang="en-US" sz="1600"/>
+              <a:t>Used speech studio to get real-time captioning, and then downloaded that</a:t>
+            </a:r>
+          </a:p>
+          <a:p>
+            <a:pPr lvl="1">
+              <a:buFont typeface="Courier New" panose="020B0604020202020204" pitchFamily="34" charset="0"/>
+              <a:buChar char="o"/>
+            </a:pPr>
+            <a:r>
+              <a:rPr lang="en-US" sz="1600"/>
+              <a:t>Provided transcript for the video</a:t>
+            </a:r>
+          </a:p>
+        </p:txBody>
+      </p:sp>
+    </p:spTree>
+    <p:extLst>
+      <p:ext uri="{BB962C8B-B14F-4D97-AF65-F5344CB8AC3E}">
+        <p14:creationId xmlns:p14="http://schemas.microsoft.com/office/powerpoint/2010/main" val="1030149979"/>
+      </p:ext>
+    </p:extLst>
+  </p:cSld>
+  <p:clrMapOvr>
+    <a:masterClrMapping/>
+  </p:clrMapOvr>
+</p:sld>
+</file>
+
+<file path=ppt/slides/slide5.xml><?xml version="1.0" encoding="utf-8"?>
+<p:sld xmlns:a="http://schemas.openxmlformats.org/drawingml/2006/main" xmlns:r="http://schemas.openxmlformats.org/officeDocument/2006/relationships" xmlns:p="http://schemas.openxmlformats.org/presentationml/2006/main">
+  <p:cSld>
+    <p:spTree>
+      <p:nvGrpSpPr>
+        <p:cNvPr id="1" name=""/>
+        <p:cNvGrpSpPr/>
+        <p:nvPr/>
+      </p:nvGrpSpPr>
+      <p:grpSpPr>
+        <a:xfrm>
+          <a:off x="0" y="0"/>
+          <a:ext cx="0" cy="0"/>
+          <a:chOff x="0" y="0"/>
+          <a:chExt cx="0" cy="0"/>
+        </a:xfrm>
+      </p:grpSpPr>
+      <p:pic>
+        <p:nvPicPr>
+          <p:cNvPr id="4" name="Picture 3" descr="solution-arch">
+            <a:extLst>
+              <a:ext uri="{FF2B5EF4-FFF2-40B4-BE49-F238E27FC236}">
+                <a16:creationId xmlns:a16="http://schemas.microsoft.com/office/drawing/2014/main" id="{9FF8FF00-4038-99F7-C55E-25F491379BC3}"/>
+              </a:ext>
+            </a:extLst>
+          </p:cNvPr>
+          <p:cNvPicPr>
+            <a:picLocks noChangeAspect="1"/>
+          </p:cNvPicPr>
+          <p:nvPr/>
+        </p:nvPicPr>
+        <p:blipFill rotWithShape="1">
+          <a:blip r:embed="rId2"/>
+          <a:srcRect r="408" b="31606"/>
+          <a:stretch/>
+        </p:blipFill>
+        <p:spPr>
+          <a:xfrm>
+            <a:off x="5958161" y="2859752"/>
+            <a:ext cx="6228241" cy="3361052"/>
+          </a:xfrm>
+          <a:prstGeom prst="rect">
+            <a:avLst/>
+          </a:prstGeom>
+        </p:spPr>
+      </p:pic>
+      <p:sp>
+        <p:nvSpPr>
+          <p:cNvPr id="2" name="Title 1">
+            <a:extLst>
+              <a:ext uri="{FF2B5EF4-FFF2-40B4-BE49-F238E27FC236}">
+                <a16:creationId xmlns:a16="http://schemas.microsoft.com/office/drawing/2014/main" id="{2BEFE1B0-9B5B-65B6-FC6D-24DB2B84D511}"/>
+              </a:ext>
+            </a:extLst>
+          </p:cNvPr>
+          <p:cNvSpPr>
+            <a:spLocks noGrp="1"/>
+          </p:cNvSpPr>
+          <p:nvPr>
+            <p:ph type="title"/>
+          </p:nvPr>
+        </p:nvSpPr>
+        <p:spPr/>
+        <p:txBody>
+          <a:bodyPr>
+            <a:normAutofit/>
+          </a:bodyPr>
+          <a:lstStyle/>
+          <a:p>
+            <a:r>
+              <a:rPr lang="en-US">
+                <a:ea typeface="+mj-lt"/>
+                <a:cs typeface="+mj-lt"/>
+              </a:rPr>
+              <a:t>Azure Data Factory Pipeline</a:t>
+            </a:r>
+            <a:endParaRPr lang="en-US"/>
+          </a:p>
+        </p:txBody>
+      </p:sp>
+      <p:sp>
+        <p:nvSpPr>
+          <p:cNvPr id="3" name="Content Placeholder 2">
+            <a:extLst>
+              <a:ext uri="{FF2B5EF4-FFF2-40B4-BE49-F238E27FC236}">
+                <a16:creationId xmlns:a16="http://schemas.microsoft.com/office/drawing/2014/main" id="{BE2EBE84-BBAD-D2CD-E20E-07E4357FEDC9}"/>
+              </a:ext>
+            </a:extLst>
+          </p:cNvPr>
+          <p:cNvSpPr>
+            <a:spLocks noGrp="1"/>
+          </p:cNvSpPr>
+          <p:nvPr>
+            <p:ph idx="1"/>
+          </p:nvPr>
+        </p:nvSpPr>
+        <p:spPr>
+          <a:xfrm>
+            <a:off x="413905" y="1825624"/>
+            <a:ext cx="7684078" cy="4587701"/>
+          </a:xfrm>
+        </p:spPr>
+        <p:txBody>
+          <a:bodyPr vert="horz" lIns="91440" tIns="45720" rIns="91440" bIns="45720" rtlCol="0" anchor="t">
+            <a:normAutofit fontScale="92500" lnSpcReduction="10000"/>
+          </a:bodyPr>
+          <a:lstStyle/>
+          <a:p>
+            <a:r>
+              <a:rPr lang="en-US" sz="1600"/>
+              <a:t>UI Built to allow uploading of videos to Blob Storage &amp; return of prompt</a:t>
+            </a:r>
+          </a:p>
+          <a:p>
+            <a:r>
+              <a:rPr lang="en-US" sz="1600"/>
+              <a:t>Videos are uploaded into a blob storage container</a:t>
+            </a:r>
+            <a:endParaRPr lang="en-US" sz="1600">
+              <a:latin typeface="Aptos"/>
+            </a:endParaRPr>
+          </a:p>
+          <a:p>
+            <a:r>
+              <a:rPr lang="en-US" sz="1600"/>
+              <a:t>An event grid picks up the event and triggers a data factory pipeline</a:t>
+            </a:r>
+            <a:endParaRPr lang="en-US" sz="2400"/>
+          </a:p>
+          <a:p>
+            <a:r>
+              <a:rPr lang="en-US" sz="1600"/>
+              <a:t>The data factory pipeline </a:t>
+            </a:r>
+          </a:p>
+          <a:p>
+            <a:pPr lvl="1">
+              <a:buFont typeface="Courier New" panose="020B0604020202020204" pitchFamily="34" charset="0"/>
+              <a:buChar char="o"/>
+            </a:pPr>
+            <a:r>
+              <a:rPr lang="en-US" sz="1400">
                 <a:latin typeface="Aptos"/>
                 <a:cs typeface="Arial"/>
               </a:rPr>
@@ -3588,7 +4910,7 @@
               <a:buChar char="o"/>
             </a:pPr>
             <a:r>
-              <a:rPr lang="en-US" sz="1600" dirty="0">
+              <a:rPr lang="en-US" sz="1400">
                 <a:latin typeface="Aptos"/>
                 <a:cs typeface="Arial"/>
               </a:rPr>
@@ -3601,11 +4923,11 @@
               <a:buChar char="o"/>
             </a:pPr>
             <a:r>
-              <a:rPr lang="en-US" sz="1600" dirty="0">
+              <a:rPr lang="en-US" sz="1400">
                 <a:latin typeface="Aptos"/>
                 <a:cs typeface="Arial"/>
               </a:rPr>
-              <a:t>sends the ingested video to GPT model</a:t>
+              <a:t>sends the ingested video to Computer Vision </a:t>
             </a:r>
           </a:p>
           <a:p>
@@ -3614,11 +4936,11 @@
               <a:buChar char="o"/>
             </a:pPr>
             <a:r>
-              <a:rPr lang="en-US" sz="1600" dirty="0">
+              <a:rPr lang="en-US" sz="1400">
                 <a:latin typeface="Aptos"/>
                 <a:cs typeface="Arial"/>
               </a:rPr>
-              <a:t>copy the GPT response into Cosmos DB</a:t>
+              <a:t>Computer Vision leverages GPT-4v model</a:t>
             </a:r>
           </a:p>
           <a:p>
@@ -3627,24 +4949,245 @@
               <a:buChar char="o"/>
             </a:pPr>
             <a:r>
-              <a:rPr lang="en-US" sz="1600" dirty="0">
+              <a:rPr lang="en-US" sz="1400">
+                <a:latin typeface="Aptos"/>
                 <a:cs typeface="Arial"/>
               </a:rPr>
-              <a:t>Passes in the transcript along with the video</a:t>
-            </a:r>
-          </a:p>
-          <a:p>
-            <a:r>
-              <a:rPr lang="en-US" sz="2000" dirty="0"/>
-              <a:t>Use custom UI to pass in user query to Cosmos DB</a:t>
-            </a:r>
-          </a:p>
-        </p:txBody>
-      </p:sp>
+              <a:t>GPT-4v response is sent to Cosmos DB</a:t>
+            </a:r>
+          </a:p>
+          <a:p>
+            <a:pPr lvl="1">
+              <a:buFont typeface="Courier New" panose="020B0604020202020204" pitchFamily="34" charset="0"/>
+              <a:buChar char="o"/>
+            </a:pPr>
+            <a:r>
+              <a:rPr lang="en-US" sz="1400">
+                <a:cs typeface="Arial"/>
+              </a:rPr>
+              <a:t>Interpretation of the video includes both:</a:t>
+            </a:r>
+          </a:p>
+          <a:p>
+            <a:pPr lvl="2">
+              <a:buFont typeface="Courier New" panose="020B0604020202020204" pitchFamily="34" charset="0"/>
+              <a:buChar char="o"/>
+            </a:pPr>
+            <a:r>
+              <a:rPr lang="en-US" sz="1000">
+                <a:cs typeface="Arial"/>
+              </a:rPr>
+              <a:t>Audio Analysis</a:t>
+            </a:r>
+          </a:p>
+          <a:p>
+            <a:pPr lvl="2">
+              <a:buFont typeface="Courier New" panose="020B0604020202020204" pitchFamily="34" charset="0"/>
+              <a:buChar char="o"/>
+            </a:pPr>
+            <a:r>
+              <a:rPr lang="en-US" sz="1000">
+                <a:cs typeface="Arial"/>
+              </a:rPr>
+              <a:t>Video Analysis</a:t>
+            </a:r>
+          </a:p>
+          <a:p>
+            <a:r>
+              <a:rPr lang="en-US" sz="1600"/>
+              <a:t>Future Possibilities: </a:t>
+            </a:r>
+          </a:p>
+          <a:p>
+            <a:pPr lvl="1"/>
+            <a:r>
+              <a:rPr lang="en-US" sz="1400"/>
+              <a:t>Integrate custom chat with </a:t>
+            </a:r>
+            <a:r>
+              <a:rPr lang="en-US" sz="1400" err="1"/>
+              <a:t>CosmosDB</a:t>
+            </a:r>
+            <a:r>
+              <a:rPr lang="en-US" sz="1400"/>
+              <a:t> dataset to interact</a:t>
+            </a:r>
+            <a:br>
+              <a:rPr lang="en-US" sz="1400"/>
+            </a:br>
+            <a:r>
+              <a:rPr lang="en-US" sz="1400"/>
+              <a:t>with the data</a:t>
+            </a:r>
+          </a:p>
+          <a:p>
+            <a:pPr lvl="1"/>
+            <a:r>
+              <a:rPr lang="en-US" sz="1400"/>
+              <a:t>Leverage custom </a:t>
+            </a:r>
+            <a:r>
+              <a:rPr lang="en-US" sz="1400" err="1"/>
+              <a:t>CosmosDB</a:t>
+            </a:r>
+            <a:r>
+              <a:rPr lang="en-US" sz="1400"/>
+              <a:t> dataset to perform analytics</a:t>
+            </a:r>
+          </a:p>
+          <a:p>
+            <a:pPr lvl="1"/>
+            <a:r>
+              <a:rPr lang="en-US" sz="1400"/>
+              <a:t>At time of vision upload, allow user to selecting specific types of analysis </a:t>
+            </a:r>
+            <a:br>
+              <a:rPr lang="en-US" sz="1400"/>
+            </a:br>
+            <a:r>
+              <a:rPr lang="en-US" sz="1400"/>
+              <a:t>to be performed on those videos</a:t>
+            </a:r>
+          </a:p>
+          <a:p>
+            <a:pPr lvl="1"/>
+            <a:r>
+              <a:rPr lang="en-US" sz="1400"/>
+              <a:t>Fine tuning of LML to better integrate with the data the therapist </a:t>
+            </a:r>
+            <a:br>
+              <a:rPr lang="en-US" sz="1400"/>
+            </a:br>
+            <a:r>
+              <a:rPr lang="en-US" sz="1400"/>
+              <a:t>is looking to analyze</a:t>
+            </a:r>
+          </a:p>
+        </p:txBody>
+      </p:sp>
+      <p:pic>
+        <p:nvPicPr>
+          <p:cNvPr id="5" name="Picture 4" descr="Free Course: Computer Vision in Microsoft Azure from Microsoft | Class ...">
+            <a:extLst>
+              <a:ext uri="{FF2B5EF4-FFF2-40B4-BE49-F238E27FC236}">
+                <a16:creationId xmlns:a16="http://schemas.microsoft.com/office/drawing/2014/main" id="{B3880A22-A36C-1F6A-72AC-8E12FDDD4953}"/>
+              </a:ext>
+            </a:extLst>
+          </p:cNvPr>
+          <p:cNvPicPr>
+            <a:picLocks noChangeAspect="1"/>
+          </p:cNvPicPr>
+          <p:nvPr/>
+        </p:nvPicPr>
+        <p:blipFill>
+          <a:blip r:embed="rId3"/>
+          <a:stretch>
+            <a:fillRect/>
+          </a:stretch>
+        </p:blipFill>
+        <p:spPr>
+          <a:xfrm>
+            <a:off x="9072282" y="185569"/>
+            <a:ext cx="2743200" cy="1645920"/>
+          </a:xfrm>
+          <a:prstGeom prst="rect">
+            <a:avLst/>
+          </a:prstGeom>
+        </p:spPr>
+      </p:pic>
     </p:spTree>
     <p:extLst>
       <p:ext uri="{BB962C8B-B14F-4D97-AF65-F5344CB8AC3E}">
         <p14:creationId xmlns:p14="http://schemas.microsoft.com/office/powerpoint/2010/main" val="4046417539"/>
+      </p:ext>
+    </p:extLst>
+  </p:cSld>
+  <p:clrMapOvr>
+    <a:masterClrMapping/>
+  </p:clrMapOvr>
+</p:sld>
+</file>
+
+<file path=ppt/slides/slide6.xml><?xml version="1.0" encoding="utf-8"?>
+<p:sld xmlns:a="http://schemas.openxmlformats.org/drawingml/2006/main" xmlns:r="http://schemas.openxmlformats.org/officeDocument/2006/relationships" xmlns:p="http://schemas.openxmlformats.org/presentationml/2006/main">
+  <p:cSld>
+    <p:spTree>
+      <p:nvGrpSpPr>
+        <p:cNvPr id="1" name=""/>
+        <p:cNvGrpSpPr/>
+        <p:nvPr/>
+      </p:nvGrpSpPr>
+      <p:grpSpPr>
+        <a:xfrm>
+          <a:off x="0" y="0"/>
+          <a:ext cx="0" cy="0"/>
+          <a:chOff x="0" y="0"/>
+          <a:chExt cx="0" cy="0"/>
+        </a:xfrm>
+      </p:grpSpPr>
+      <p:sp>
+        <p:nvSpPr>
+          <p:cNvPr id="2" name="Title 1">
+            <a:extLst>
+              <a:ext uri="{FF2B5EF4-FFF2-40B4-BE49-F238E27FC236}">
+                <a16:creationId xmlns:a16="http://schemas.microsoft.com/office/drawing/2014/main" id="{2BEFE1B0-9B5B-65B6-FC6D-24DB2B84D511}"/>
+              </a:ext>
+            </a:extLst>
+          </p:cNvPr>
+          <p:cNvSpPr>
+            <a:spLocks noGrp="1"/>
+          </p:cNvSpPr>
+          <p:nvPr>
+            <p:ph type="title"/>
+          </p:nvPr>
+        </p:nvSpPr>
+        <p:spPr/>
+        <p:txBody>
+          <a:bodyPr>
+            <a:normAutofit/>
+          </a:bodyPr>
+          <a:lstStyle/>
+          <a:p>
+            <a:r>
+              <a:rPr lang="en-US"/>
+              <a:t>Proof of Concept: UI for Video Uploads</a:t>
+            </a:r>
+          </a:p>
+        </p:txBody>
+      </p:sp>
+      <p:pic>
+        <p:nvPicPr>
+          <p:cNvPr id="4" name="Content Placeholder 3" descr="A screenshot of a computer&#10;&#10;Description automatically generated">
+            <a:extLst>
+              <a:ext uri="{FF2B5EF4-FFF2-40B4-BE49-F238E27FC236}">
+                <a16:creationId xmlns:a16="http://schemas.microsoft.com/office/drawing/2014/main" id="{3AFE0DCA-11BC-D8B6-3A6C-0178876BD5A5}"/>
+              </a:ext>
+            </a:extLst>
+          </p:cNvPr>
+          <p:cNvPicPr>
+            <a:picLocks noGrp="1" noChangeAspect="1"/>
+          </p:cNvPicPr>
+          <p:nvPr>
+            <p:ph idx="1"/>
+          </p:nvPr>
+        </p:nvPicPr>
+        <p:blipFill>
+          <a:blip r:embed="rId2"/>
+          <a:stretch>
+            <a:fillRect/>
+          </a:stretch>
+        </p:blipFill>
+        <p:spPr>
+          <a:xfrm>
+            <a:off x="1320000" y="1407361"/>
+            <a:ext cx="9300000" cy="5085867"/>
+          </a:xfrm>
+        </p:spPr>
+      </p:pic>
+    </p:spTree>
+    <p:extLst>
+      <p:ext uri="{BB962C8B-B14F-4D97-AF65-F5344CB8AC3E}">
+        <p14:creationId xmlns:p14="http://schemas.microsoft.com/office/powerpoint/2010/main" val="3440346540"/>
       </p:ext>
     </p:extLst>
   </p:cSld>
